--- a/midTermPresentation.pptx
+++ b/midTermPresentation.pptx
@@ -5,7 +5,7 @@
     <p:sldMasterId id="2147483648" r:id="rId1"/>
   </p:sldMasterIdLst>
   <p:notesMasterIdLst>
-    <p:notesMasterId r:id="rId10"/>
+    <p:notesMasterId r:id="rId9"/>
   </p:notesMasterIdLst>
   <p:sldIdLst>
     <p:sldId id="256" r:id="rId2"/>
@@ -13,9 +13,8 @@
     <p:sldId id="258" r:id="rId4"/>
     <p:sldId id="259" r:id="rId5"/>
     <p:sldId id="260" r:id="rId6"/>
-    <p:sldId id="261" r:id="rId7"/>
-    <p:sldId id="262" r:id="rId8"/>
-    <p:sldId id="264" r:id="rId9"/>
+    <p:sldId id="262" r:id="rId7"/>
+    <p:sldId id="264" r:id="rId8"/>
   </p:sldIdLst>
   <p:sldSz cx="9144000" cy="6858000" type="screen4x3"/>
   <p:notesSz cx="6858000" cy="9144000"/>
@@ -199,7 +198,7 @@
           <a:p>
             <a:fld id="{4BD066D2-BE3F-49A0-AD69-B8148E7F854E}" type="datetimeFigureOut">
               <a:rPr lang="de-DE" smtClean="0"/>
-              <a:t>08.12.2017</a:t>
+              <a:t>12.12.2017</a:t>
             </a:fld>
             <a:endParaRPr lang="de-DE"/>
           </a:p>
@@ -467,90 +466,6 @@
 </p:notesMaster>
 </file>
 
-<file path=ppt/notesSlides/notesSlide1.xml><?xml version="1.0" encoding="utf-8"?>
-<p:notes xmlns:a="http://schemas.openxmlformats.org/drawingml/2006/main" xmlns:r="http://schemas.openxmlformats.org/officeDocument/2006/relationships" xmlns:p="http://schemas.openxmlformats.org/presentationml/2006/main">
-  <p:cSld>
-    <p:spTree>
-      <p:nvGrpSpPr>
-        <p:cNvPr id="1" name=""/>
-        <p:cNvGrpSpPr/>
-        <p:nvPr/>
-      </p:nvGrpSpPr>
-      <p:grpSpPr>
-        <a:xfrm>
-          <a:off x="0" y="0"/>
-          <a:ext cx="0" cy="0"/>
-          <a:chOff x="0" y="0"/>
-          <a:chExt cx="0" cy="0"/>
-        </a:xfrm>
-      </p:grpSpPr>
-      <p:sp>
-        <p:nvSpPr>
-          <p:cNvPr id="2" name="Folienbildplatzhalter 1"/>
-          <p:cNvSpPr>
-            <a:spLocks noGrp="1" noRot="1" noChangeAspect="1"/>
-          </p:cNvSpPr>
-          <p:nvPr>
-            <p:ph type="sldImg"/>
-          </p:nvPr>
-        </p:nvSpPr>
-        <p:spPr/>
-      </p:sp>
-      <p:sp>
-        <p:nvSpPr>
-          <p:cNvPr id="3" name="Notizenplatzhalter 2"/>
-          <p:cNvSpPr>
-            <a:spLocks noGrp="1"/>
-          </p:cNvSpPr>
-          <p:nvPr>
-            <p:ph type="body" idx="1"/>
-          </p:nvPr>
-        </p:nvSpPr>
-        <p:spPr/>
-        <p:txBody>
-          <a:bodyPr/>
-          <a:lstStyle/>
-          <a:p>
-            <a:endParaRPr lang="de-DE" dirty="0"/>
-          </a:p>
-        </p:txBody>
-      </p:sp>
-      <p:sp>
-        <p:nvSpPr>
-          <p:cNvPr id="4" name="Foliennummernplatzhalter 3"/>
-          <p:cNvSpPr>
-            <a:spLocks noGrp="1"/>
-          </p:cNvSpPr>
-          <p:nvPr>
-            <p:ph type="sldNum" sz="quarter" idx="10"/>
-          </p:nvPr>
-        </p:nvSpPr>
-        <p:spPr/>
-        <p:txBody>
-          <a:bodyPr/>
-          <a:lstStyle/>
-          <a:p>
-            <a:fld id="{0D1755E0-B652-4020-BDFA-39AB5BDDCB35}" type="slidenum">
-              <a:rPr lang="de-DE" smtClean="0"/>
-              <a:t>6</a:t>
-            </a:fld>
-            <a:endParaRPr lang="de-DE"/>
-          </a:p>
-        </p:txBody>
-      </p:sp>
-    </p:spTree>
-    <p:extLst>
-      <p:ext uri="{BB962C8B-B14F-4D97-AF65-F5344CB8AC3E}">
-        <p14:creationId xmlns:p14="http://schemas.microsoft.com/office/powerpoint/2010/main" val="2319350964"/>
-      </p:ext>
-    </p:extLst>
-  </p:cSld>
-  <p:clrMapOvr>
-    <a:masterClrMapping/>
-  </p:clrMapOvr>
-</p:notes>
-</file>
-
 <file path=ppt/slideLayouts/slideLayout1.xml><?xml version="1.0" encoding="utf-8"?>
 <p:sldLayout xmlns:a="http://schemas.openxmlformats.org/drawingml/2006/main" xmlns:r="http://schemas.openxmlformats.org/officeDocument/2006/relationships" xmlns:p="http://schemas.openxmlformats.org/presentationml/2006/main" type="title" preserve="1">
   <p:cSld name="Titelfolie">
@@ -580,7 +495,7 @@
         </p:nvSpPr>
         <p:spPr>
           <a:xfrm>
-            <a:off x="685800" y="2130425"/>
+            <a:off x="685800" y="2130428"/>
             <a:ext cx="7772400" cy="1470025"/>
           </a:xfrm>
         </p:spPr>
@@ -732,7 +647,7 @@
           <a:p>
             <a:fld id="{CD00BCFE-86B9-4C60-9B57-C178B01FD6D7}" type="datetimeFigureOut">
               <a:rPr lang="de-DE" smtClean="0"/>
-              <a:t>08.12.2017</a:t>
+              <a:t>12.12.2017</a:t>
             </a:fld>
             <a:endParaRPr lang="de-DE"/>
           </a:p>
@@ -902,7 +817,7 @@
           <a:p>
             <a:fld id="{CD00BCFE-86B9-4C60-9B57-C178B01FD6D7}" type="datetimeFigureOut">
               <a:rPr lang="de-DE" smtClean="0"/>
-              <a:t>08.12.2017</a:t>
+              <a:t>12.12.2017</a:t>
             </a:fld>
             <a:endParaRPr lang="de-DE"/>
           </a:p>
@@ -992,7 +907,7 @@
         </p:nvSpPr>
         <p:spPr>
           <a:xfrm>
-            <a:off x="6629400" y="274638"/>
+            <a:off x="6629400" y="274640"/>
             <a:ext cx="2057400" cy="5851525"/>
           </a:xfrm>
         </p:spPr>
@@ -1020,7 +935,7 @@
         </p:nvSpPr>
         <p:spPr>
           <a:xfrm>
-            <a:off x="457200" y="274638"/>
+            <a:off x="457200" y="274640"/>
             <a:ext cx="6019800" cy="5851525"/>
           </a:xfrm>
         </p:spPr>
@@ -1082,7 +997,7 @@
           <a:p>
             <a:fld id="{CD00BCFE-86B9-4C60-9B57-C178B01FD6D7}" type="datetimeFigureOut">
               <a:rPr lang="de-DE" smtClean="0"/>
-              <a:t>08.12.2017</a:t>
+              <a:t>12.12.2017</a:t>
             </a:fld>
             <a:endParaRPr lang="de-DE"/>
           </a:p>
@@ -1252,7 +1167,7 @@
           <a:p>
             <a:fld id="{CD00BCFE-86B9-4C60-9B57-C178B01FD6D7}" type="datetimeFigureOut">
               <a:rPr lang="de-DE" smtClean="0"/>
-              <a:t>08.12.2017</a:t>
+              <a:t>12.12.2017</a:t>
             </a:fld>
             <a:endParaRPr lang="de-DE"/>
           </a:p>
@@ -1342,7 +1257,7 @@
         </p:nvSpPr>
         <p:spPr>
           <a:xfrm>
-            <a:off x="722313" y="4406900"/>
+            <a:off x="722313" y="4406901"/>
             <a:ext cx="7772400" cy="1362075"/>
           </a:xfrm>
         </p:spPr>
@@ -1498,7 +1413,7 @@
           <a:p>
             <a:fld id="{CD00BCFE-86B9-4C60-9B57-C178B01FD6D7}" type="datetimeFigureOut">
               <a:rPr lang="de-DE" smtClean="0"/>
-              <a:t>08.12.2017</a:t>
+              <a:t>12.12.2017</a:t>
             </a:fld>
             <a:endParaRPr lang="de-DE"/>
           </a:p>
@@ -1611,7 +1526,7 @@
         </p:nvSpPr>
         <p:spPr>
           <a:xfrm>
-            <a:off x="457200" y="1600200"/>
+            <a:off x="457200" y="1600201"/>
             <a:ext cx="4038600" cy="4525963"/>
           </a:xfrm>
         </p:spPr>
@@ -1696,7 +1611,7 @@
         </p:nvSpPr>
         <p:spPr>
           <a:xfrm>
-            <a:off x="4648200" y="1600200"/>
+            <a:off x="4648200" y="1600201"/>
             <a:ext cx="4038600" cy="4525963"/>
           </a:xfrm>
         </p:spPr>
@@ -1786,7 +1701,7 @@
           <a:p>
             <a:fld id="{CD00BCFE-86B9-4C60-9B57-C178B01FD6D7}" type="datetimeFigureOut">
               <a:rPr lang="de-DE" smtClean="0"/>
-              <a:t>08.12.2017</a:t>
+              <a:t>12.12.2017</a:t>
             </a:fld>
             <a:endParaRPr lang="de-DE"/>
           </a:p>
@@ -1904,7 +1819,7 @@
         <p:spPr>
           <a:xfrm>
             <a:off x="457200" y="1535113"/>
-            <a:ext cx="4040188" cy="639762"/>
+            <a:ext cx="4040188" cy="639763"/>
           </a:xfrm>
         </p:spPr>
         <p:txBody>
@@ -2053,8 +1968,8 @@
         </p:nvSpPr>
         <p:spPr>
           <a:xfrm>
-            <a:off x="4645025" y="1535113"/>
-            <a:ext cx="4041775" cy="639762"/>
+            <a:off x="4645029" y="1535113"/>
+            <a:ext cx="4041775" cy="639763"/>
           </a:xfrm>
         </p:spPr>
         <p:txBody>
@@ -2118,7 +2033,7 @@
         </p:nvSpPr>
         <p:spPr>
           <a:xfrm>
-            <a:off x="4645025" y="2174875"/>
+            <a:off x="4645029" y="2174875"/>
             <a:ext cx="4041775" cy="3951288"/>
           </a:xfrm>
         </p:spPr>
@@ -2208,7 +2123,7 @@
           <a:p>
             <a:fld id="{CD00BCFE-86B9-4C60-9B57-C178B01FD6D7}" type="datetimeFigureOut">
               <a:rPr lang="de-DE" smtClean="0"/>
-              <a:t>08.12.2017</a:t>
+              <a:t>12.12.2017</a:t>
             </a:fld>
             <a:endParaRPr lang="de-DE"/>
           </a:p>
@@ -2326,7 +2241,7 @@
           <a:p>
             <a:fld id="{CD00BCFE-86B9-4C60-9B57-C178B01FD6D7}" type="datetimeFigureOut">
               <a:rPr lang="de-DE" smtClean="0"/>
-              <a:t>08.12.2017</a:t>
+              <a:t>12.12.2017</a:t>
             </a:fld>
             <a:endParaRPr lang="de-DE"/>
           </a:p>
@@ -2421,7 +2336,7 @@
           <a:p>
             <a:fld id="{CD00BCFE-86B9-4C60-9B57-C178B01FD6D7}" type="datetimeFigureOut">
               <a:rPr lang="de-DE" smtClean="0"/>
-              <a:t>08.12.2017</a:t>
+              <a:t>12.12.2017</a:t>
             </a:fld>
             <a:endParaRPr lang="de-DE"/>
           </a:p>
@@ -2511,8 +2426,8 @@
         </p:nvSpPr>
         <p:spPr>
           <a:xfrm>
-            <a:off x="457200" y="273050"/>
-            <a:ext cx="3008313" cy="1162050"/>
+            <a:off x="457204" y="273049"/>
+            <a:ext cx="3008313" cy="1162051"/>
           </a:xfrm>
         </p:spPr>
         <p:txBody>
@@ -2543,7 +2458,7 @@
         </p:nvSpPr>
         <p:spPr>
           <a:xfrm>
-            <a:off x="3575050" y="273050"/>
+            <a:off x="3575050" y="273053"/>
             <a:ext cx="5111750" cy="5853113"/>
           </a:xfrm>
         </p:spPr>
@@ -2628,7 +2543,7 @@
         </p:nvSpPr>
         <p:spPr>
           <a:xfrm>
-            <a:off x="457200" y="1435100"/>
+            <a:off x="457204" y="1435103"/>
             <a:ext cx="3008313" cy="4691063"/>
           </a:xfrm>
         </p:spPr>
@@ -2698,7 +2613,7 @@
           <a:p>
             <a:fld id="{CD00BCFE-86B9-4C60-9B57-C178B01FD6D7}" type="datetimeFigureOut">
               <a:rPr lang="de-DE" smtClean="0"/>
-              <a:t>08.12.2017</a:t>
+              <a:t>12.12.2017</a:t>
             </a:fld>
             <a:endParaRPr lang="de-DE"/>
           </a:p>
@@ -2788,8 +2703,8 @@
         </p:nvSpPr>
         <p:spPr>
           <a:xfrm>
-            <a:off x="1792288" y="4800600"/>
-            <a:ext cx="5486400" cy="566738"/>
+            <a:off x="1792288" y="4800601"/>
+            <a:ext cx="5486400" cy="566739"/>
           </a:xfrm>
         </p:spPr>
         <p:txBody>
@@ -2881,8 +2796,8 @@
         </p:nvSpPr>
         <p:spPr>
           <a:xfrm>
-            <a:off x="1792288" y="5367338"/>
-            <a:ext cx="5486400" cy="804862"/>
+            <a:off x="1792288" y="5367339"/>
+            <a:ext cx="5486400" cy="804863"/>
           </a:xfrm>
         </p:spPr>
         <p:txBody>
@@ -2951,7 +2866,7 @@
           <a:p>
             <a:fld id="{CD00BCFE-86B9-4C60-9B57-C178B01FD6D7}" type="datetimeFigureOut">
               <a:rPr lang="de-DE" smtClean="0"/>
-              <a:t>08.12.2017</a:t>
+              <a:t>12.12.2017</a:t>
             </a:fld>
             <a:endParaRPr lang="de-DE"/>
           </a:p>
@@ -3046,7 +2961,7 @@
         </p:nvSpPr>
         <p:spPr>
           <a:xfrm>
-            <a:off x="457200" y="274638"/>
+            <a:off x="457200" y="274639"/>
             <a:ext cx="8229600" cy="1143000"/>
           </a:xfrm>
           <a:prstGeom prst="rect">
@@ -3079,7 +2994,7 @@
         </p:nvSpPr>
         <p:spPr>
           <a:xfrm>
-            <a:off x="457200" y="1600200"/>
+            <a:off x="457200" y="1600201"/>
             <a:ext cx="8229600" cy="4525963"/>
           </a:xfrm>
           <a:prstGeom prst="rect">
@@ -3141,7 +3056,7 @@
         </p:nvSpPr>
         <p:spPr>
           <a:xfrm>
-            <a:off x="457200" y="6356350"/>
+            <a:off x="457200" y="6356352"/>
             <a:ext cx="2133600" cy="365125"/>
           </a:xfrm>
           <a:prstGeom prst="rect">
@@ -3164,7 +3079,7 @@
           <a:p>
             <a:fld id="{CD00BCFE-86B9-4C60-9B57-C178B01FD6D7}" type="datetimeFigureOut">
               <a:rPr lang="de-DE" smtClean="0"/>
-              <a:t>08.12.2017</a:t>
+              <a:t>12.12.2017</a:t>
             </a:fld>
             <a:endParaRPr lang="de-DE"/>
           </a:p>
@@ -3182,7 +3097,7 @@
         </p:nvSpPr>
         <p:spPr>
           <a:xfrm>
-            <a:off x="3124200" y="6356350"/>
+            <a:off x="3124200" y="6356352"/>
             <a:ext cx="2895600" cy="365125"/>
           </a:xfrm>
           <a:prstGeom prst="rect">
@@ -3219,7 +3134,7 @@
         </p:nvSpPr>
         <p:spPr>
           <a:xfrm>
-            <a:off x="6553200" y="6356350"/>
+            <a:off x="6553200" y="6356352"/>
             <a:ext cx="2133600" cy="365125"/>
           </a:xfrm>
           <a:prstGeom prst="rect">
@@ -3637,8 +3552,8 @@
         </p:blipFill>
         <p:spPr bwMode="auto">
           <a:xfrm>
-            <a:off x="6660232" y="5834324"/>
-            <a:ext cx="2226717" cy="781334"/>
+            <a:off x="6660232" y="5834326"/>
+            <a:ext cx="2226717" cy="781335"/>
           </a:xfrm>
           <a:prstGeom prst="rect">
             <a:avLst/>
@@ -3723,7 +3638,7 @@
         </p:nvSpPr>
         <p:spPr>
           <a:xfrm>
-            <a:off x="638872" y="2951947"/>
+            <a:off x="638872" y="2951950"/>
             <a:ext cx="7866256" cy="954107"/>
           </a:xfrm>
           <a:prstGeom prst="rect">
@@ -3822,7 +3737,7 @@
         </p:blipFill>
         <p:spPr bwMode="auto">
           <a:xfrm>
-            <a:off x="791580" y="1772816"/>
+            <a:off x="791580" y="1772817"/>
             <a:ext cx="7560840" cy="4662643"/>
           </a:xfrm>
           <a:prstGeom prst="rect">
@@ -3861,7 +3776,7 @@
         </p:nvSpPr>
         <p:spPr>
           <a:xfrm>
-            <a:off x="638872" y="404664"/>
+            <a:off x="638872" y="404669"/>
             <a:ext cx="7866256" cy="954107"/>
           </a:xfrm>
           <a:prstGeom prst="rect">
@@ -3960,7 +3875,7 @@
         </p:blipFill>
         <p:spPr bwMode="auto">
           <a:xfrm>
-            <a:off x="962807" y="1700808"/>
+            <a:off x="962811" y="1700808"/>
             <a:ext cx="7218387" cy="4794069"/>
           </a:xfrm>
           <a:prstGeom prst="rect">
@@ -3999,7 +3914,7 @@
         </p:nvSpPr>
         <p:spPr>
           <a:xfrm>
-            <a:off x="638872" y="404664"/>
+            <a:off x="638872" y="404669"/>
             <a:ext cx="7866256" cy="954107"/>
           </a:xfrm>
           <a:prstGeom prst="rect">
@@ -4075,1183 +3990,53 @@
           <a:chExt cx="0" cy="0"/>
         </a:xfrm>
       </p:grpSpPr>
-      <p:graphicFrame>
-        <p:nvGraphicFramePr>
-          <p:cNvPr id="2" name="Tabelle 1"/>
-          <p:cNvGraphicFramePr>
-            <a:graphicFrameLocks noGrp="1"/>
-          </p:cNvGraphicFramePr>
-          <p:nvPr>
-            <p:extLst>
-              <p:ext uri="{D42A27DB-BD31-4B8C-83A1-F6EECF244321}">
-                <p14:modId xmlns:p14="http://schemas.microsoft.com/office/powerpoint/2010/main" val="2440891945"/>
-              </p:ext>
-            </p:extLst>
-          </p:nvPr>
-        </p:nvGraphicFramePr>
-        <p:xfrm>
-          <a:off x="1223628" y="332656"/>
-          <a:ext cx="6696744" cy="2738968"/>
-        </p:xfrm>
-        <a:graphic>
-          <a:graphicData uri="http://schemas.openxmlformats.org/drawingml/2006/table">
-            <a:tbl>
-              <a:tblPr/>
-              <a:tblGrid>
-                <a:gridCol w="6696744"/>
-              </a:tblGrid>
-              <a:tr h="35880">
-                <a:tc>
-                  <a:txBody>
-                    <a:bodyPr/>
-                    <a:lstStyle/>
-                    <a:p>
-                      <a:pPr fontAlgn="t"/>
-                      <a:r>
-                        <a:rPr lang="de-DE" sz="1400" dirty="0">
-                          <a:solidFill>
-                            <a:srgbClr val="6F42C1"/>
-                          </a:solidFill>
-                          <a:effectLst/>
-                          <a:latin typeface="Consolas" panose="020B0609020204030204" pitchFamily="49" charset="0"/>
-                          <a:cs typeface="Consolas" panose="020B0609020204030204" pitchFamily="49" charset="0"/>
-                        </a:rPr>
-                        <a:t>&lt;http://</a:t>
-                      </a:r>
-                      <a:r>
-                        <a:rPr lang="de-DE" sz="1400" dirty="0" smtClean="0">
-                          <a:solidFill>
-                            <a:srgbClr val="6F42C1"/>
-                          </a:solidFill>
-                          <a:effectLst/>
-                          <a:latin typeface="Consolas" panose="020B0609020204030204" pitchFamily="49" charset="0"/>
-                          <a:cs typeface="Consolas" panose="020B0609020204030204" pitchFamily="49" charset="0"/>
-                        </a:rPr>
-                        <a:t>dbpedia.org/resource/Angela_Merkel&gt;</a:t>
-                      </a:r>
-                      <a:endParaRPr lang="de-DE" sz="1400" dirty="0">
-                        <a:solidFill>
-                          <a:srgbClr val="24292E"/>
-                        </a:solidFill>
-                        <a:effectLst/>
-                        <a:latin typeface="Consolas" panose="020B0609020204030204" pitchFamily="49" charset="0"/>
-                        <a:cs typeface="Consolas" panose="020B0609020204030204" pitchFamily="49" charset="0"/>
-                      </a:endParaRPr>
-                    </a:p>
-                  </a:txBody>
-                  <a:tcPr marL="5339" marR="5339" marT="2563" marB="2563">
-                    <a:lnL>
-                      <a:noFill/>
-                    </a:lnL>
-                    <a:lnR>
-                      <a:noFill/>
-                    </a:lnR>
-                    <a:lnT>
-                      <a:noFill/>
-                    </a:lnT>
-                    <a:lnB>
-                      <a:noFill/>
-                    </a:lnB>
-                    <a:lnTlToBr w="12700" cmpd="sng">
-                      <a:noFill/>
-                      <a:prstDash val="solid"/>
-                    </a:lnTlToBr>
-                    <a:lnBlToTr w="12700" cmpd="sng">
-                      <a:noFill/>
-                      <a:prstDash val="solid"/>
-                    </a:lnBlToTr>
-                    <a:solidFill>
-                      <a:srgbClr val="FFFFFF"/>
-                    </a:solidFill>
-                  </a:tcPr>
-                </a:tc>
-              </a:tr>
-              <a:tr h="66634">
-                <a:tc>
-                  <a:txBody>
-                    <a:bodyPr/>
-                    <a:lstStyle/>
-                    <a:p>
-                      <a:pPr lvl="1" fontAlgn="t"/>
-                      <a:r>
-                        <a:rPr lang="de-DE" sz="1400" dirty="0" err="1">
-                          <a:solidFill>
-                            <a:srgbClr val="24292E"/>
-                          </a:solidFill>
-                          <a:effectLst/>
-                          <a:latin typeface="Consolas" panose="020B0609020204030204" pitchFamily="49" charset="0"/>
-                          <a:cs typeface="Consolas" panose="020B0609020204030204" pitchFamily="49" charset="0"/>
-                        </a:rPr>
-                        <a:t>rdfs:label</a:t>
-                      </a:r>
-                      <a:r>
-                        <a:rPr lang="de-DE" sz="1400" dirty="0">
-                          <a:solidFill>
-                            <a:srgbClr val="24292E"/>
-                          </a:solidFill>
-                          <a:effectLst/>
-                          <a:latin typeface="Consolas" panose="020B0609020204030204" pitchFamily="49" charset="0"/>
-                          <a:cs typeface="Consolas" panose="020B0609020204030204" pitchFamily="49" charset="0"/>
-                        </a:rPr>
-                        <a:t> </a:t>
-                      </a:r>
-                      <a:r>
-                        <a:rPr lang="de-DE" sz="1400" dirty="0" smtClean="0">
-                          <a:solidFill>
-                            <a:srgbClr val="032F62"/>
-                          </a:solidFill>
-                          <a:effectLst/>
-                          <a:latin typeface="Consolas" panose="020B0609020204030204" pitchFamily="49" charset="0"/>
-                          <a:cs typeface="Consolas" panose="020B0609020204030204" pitchFamily="49" charset="0"/>
-                        </a:rPr>
-                        <a:t>"Angela </a:t>
-                      </a:r>
-                      <a:r>
-                        <a:rPr lang="de-DE" sz="1400" dirty="0" err="1" smtClean="0">
-                          <a:solidFill>
-                            <a:srgbClr val="032F62"/>
-                          </a:solidFill>
-                          <a:effectLst/>
-                          <a:latin typeface="Consolas" panose="020B0609020204030204" pitchFamily="49" charset="0"/>
-                          <a:cs typeface="Consolas" panose="020B0609020204030204" pitchFamily="49" charset="0"/>
-                        </a:rPr>
-                        <a:t>Merkel"</a:t>
-                      </a:r>
-                      <a:r>
-                        <a:rPr lang="de-DE" sz="1400" dirty="0" err="1" smtClean="0">
-                          <a:solidFill>
-                            <a:srgbClr val="005CC5"/>
-                          </a:solidFill>
-                          <a:effectLst/>
-                          <a:latin typeface="Consolas" panose="020B0609020204030204" pitchFamily="49" charset="0"/>
-                          <a:cs typeface="Consolas" panose="020B0609020204030204" pitchFamily="49" charset="0"/>
-                        </a:rPr>
-                        <a:t>@en</a:t>
-                      </a:r>
-                      <a:r>
-                        <a:rPr lang="de-DE" sz="1400" baseline="0" dirty="0" smtClean="0">
-                          <a:solidFill>
-                            <a:srgbClr val="24292E"/>
-                          </a:solidFill>
-                          <a:effectLst/>
-                          <a:latin typeface="Consolas" panose="020B0609020204030204" pitchFamily="49" charset="0"/>
-                          <a:cs typeface="Consolas" panose="020B0609020204030204" pitchFamily="49" charset="0"/>
-                        </a:rPr>
-                        <a:t> </a:t>
-                      </a:r>
-                      <a:r>
-                        <a:rPr lang="de-DE" sz="1400" dirty="0" smtClean="0">
-                          <a:solidFill>
-                            <a:srgbClr val="24292E"/>
-                          </a:solidFill>
-                          <a:effectLst/>
-                          <a:latin typeface="Consolas" panose="020B0609020204030204" pitchFamily="49" charset="0"/>
-                          <a:cs typeface="Consolas" panose="020B0609020204030204" pitchFamily="49" charset="0"/>
-                        </a:rPr>
-                        <a:t>;</a:t>
-                      </a:r>
-                      <a:endParaRPr lang="de-DE" sz="1400" dirty="0">
-                        <a:solidFill>
-                          <a:srgbClr val="24292E"/>
-                        </a:solidFill>
-                        <a:effectLst/>
-                        <a:latin typeface="Consolas" panose="020B0609020204030204" pitchFamily="49" charset="0"/>
-                        <a:cs typeface="Consolas" panose="020B0609020204030204" pitchFamily="49" charset="0"/>
-                      </a:endParaRPr>
-                    </a:p>
-                  </a:txBody>
-                  <a:tcPr marL="5339" marR="5339" marT="2563" marB="2563">
-                    <a:lnL>
-                      <a:noFill/>
-                    </a:lnL>
-                    <a:lnR>
-                      <a:noFill/>
-                    </a:lnR>
-                    <a:lnT>
-                      <a:noFill/>
-                    </a:lnT>
-                    <a:lnB>
-                      <a:noFill/>
-                    </a:lnB>
-                    <a:lnTlToBr w="12700" cmpd="sng">
-                      <a:noFill/>
-                      <a:prstDash val="solid"/>
-                    </a:lnTlToBr>
-                    <a:lnBlToTr w="12700" cmpd="sng">
-                      <a:noFill/>
-                      <a:prstDash val="solid"/>
-                    </a:lnBlToTr>
-                    <a:solidFill>
-                      <a:srgbClr val="FFFFFF"/>
-                    </a:solidFill>
-                  </a:tcPr>
-                </a:tc>
-              </a:tr>
-              <a:tr h="66634">
-                <a:tc>
-                  <a:txBody>
-                    <a:bodyPr/>
-                    <a:lstStyle/>
-                    <a:p>
-                      <a:pPr lvl="1" fontAlgn="t"/>
-                      <a:r>
-                        <a:rPr lang="de-DE" sz="1400" dirty="0" err="1">
-                          <a:solidFill>
-                            <a:srgbClr val="24292E"/>
-                          </a:solidFill>
-                          <a:effectLst/>
-                          <a:latin typeface="Consolas" panose="020B0609020204030204" pitchFamily="49" charset="0"/>
-                          <a:cs typeface="Consolas" panose="020B0609020204030204" pitchFamily="49" charset="0"/>
-                        </a:rPr>
-                        <a:t>dbo:inOffice</a:t>
-                      </a:r>
-                      <a:r>
-                        <a:rPr lang="de-DE" sz="1400" dirty="0">
-                          <a:solidFill>
-                            <a:srgbClr val="24292E"/>
-                          </a:solidFill>
-                          <a:effectLst/>
-                          <a:latin typeface="Consolas" panose="020B0609020204030204" pitchFamily="49" charset="0"/>
-                          <a:cs typeface="Consolas" panose="020B0609020204030204" pitchFamily="49" charset="0"/>
-                        </a:rPr>
-                        <a:t> </a:t>
-                      </a:r>
-                      <a:r>
-                        <a:rPr lang="de-DE" sz="1400" dirty="0">
-                          <a:solidFill>
-                            <a:srgbClr val="6F42C1"/>
-                          </a:solidFill>
-                          <a:effectLst/>
-                          <a:latin typeface="Consolas" panose="020B0609020204030204" pitchFamily="49" charset="0"/>
-                          <a:cs typeface="Consolas" panose="020B0609020204030204" pitchFamily="49" charset="0"/>
-                        </a:rPr>
-                        <a:t>&lt;http://</a:t>
-                      </a:r>
-                      <a:r>
-                        <a:rPr lang="de-DE" sz="1400" dirty="0" smtClean="0">
-                          <a:solidFill>
-                            <a:srgbClr val="6F42C1"/>
-                          </a:solidFill>
-                          <a:effectLst/>
-                          <a:latin typeface="Consolas" panose="020B0609020204030204" pitchFamily="49" charset="0"/>
-                          <a:cs typeface="Consolas" panose="020B0609020204030204" pitchFamily="49" charset="0"/>
-                        </a:rPr>
-                        <a:t>dbpedia.org/resource/Angela_Merkel__</a:t>
-                      </a:r>
-                      <a:r>
-                        <a:rPr lang="de-DE" sz="1400" dirty="0">
-                          <a:solidFill>
-                            <a:srgbClr val="6F42C1"/>
-                          </a:solidFill>
-                          <a:effectLst/>
-                          <a:latin typeface="Consolas" panose="020B0609020204030204" pitchFamily="49" charset="0"/>
-                          <a:cs typeface="Consolas" panose="020B0609020204030204" pitchFamily="49" charset="0"/>
-                        </a:rPr>
-                        <a:t>1&gt;</a:t>
-                      </a:r>
-                      <a:r>
-                        <a:rPr lang="de-DE" sz="1400" dirty="0">
-                          <a:solidFill>
-                            <a:srgbClr val="24292E"/>
-                          </a:solidFill>
-                          <a:effectLst/>
-                          <a:latin typeface="Consolas" panose="020B0609020204030204" pitchFamily="49" charset="0"/>
-                          <a:cs typeface="Consolas" panose="020B0609020204030204" pitchFamily="49" charset="0"/>
-                        </a:rPr>
-                        <a:t> ;</a:t>
-                      </a:r>
-                    </a:p>
-                  </a:txBody>
-                  <a:tcPr marL="5339" marR="5339" marT="2563" marB="2563">
-                    <a:lnL>
-                      <a:noFill/>
-                    </a:lnL>
-                    <a:lnR>
-                      <a:noFill/>
-                    </a:lnR>
-                    <a:lnT>
-                      <a:noFill/>
-                    </a:lnT>
-                    <a:lnB>
-                      <a:noFill/>
-                    </a:lnB>
-                    <a:lnTlToBr w="12700" cmpd="sng">
-                      <a:noFill/>
-                      <a:prstDash val="solid"/>
-                    </a:lnTlToBr>
-                    <a:lnBlToTr w="12700" cmpd="sng">
-                      <a:noFill/>
-                      <a:prstDash val="solid"/>
-                    </a:lnBlToTr>
-                    <a:solidFill>
-                      <a:srgbClr val="FFFFFF"/>
-                    </a:solidFill>
-                  </a:tcPr>
-                </a:tc>
-              </a:tr>
-              <a:tr h="340748">
-                <a:tc>
-                  <a:txBody>
-                    <a:bodyPr/>
-                    <a:lstStyle/>
-                    <a:p>
-                      <a:pPr lvl="1" fontAlgn="t"/>
-                      <a:r>
-                        <a:rPr lang="de-DE" sz="1400" dirty="0" err="1">
-                          <a:solidFill>
-                            <a:srgbClr val="24292E"/>
-                          </a:solidFill>
-                          <a:effectLst/>
-                          <a:latin typeface="Consolas" panose="020B0609020204030204" pitchFamily="49" charset="0"/>
-                          <a:cs typeface="Consolas" panose="020B0609020204030204" pitchFamily="49" charset="0"/>
-                        </a:rPr>
-                        <a:t>skos:altLabel</a:t>
-                      </a:r>
-                      <a:r>
-                        <a:rPr lang="de-DE" sz="1400" dirty="0">
-                          <a:solidFill>
-                            <a:srgbClr val="24292E"/>
-                          </a:solidFill>
-                          <a:effectLst/>
-                          <a:latin typeface="Consolas" panose="020B0609020204030204" pitchFamily="49" charset="0"/>
-                          <a:cs typeface="Consolas" panose="020B0609020204030204" pitchFamily="49" charset="0"/>
-                        </a:rPr>
-                        <a:t> </a:t>
-                      </a:r>
-                      <a:r>
-                        <a:rPr lang="de-DE" sz="1400" dirty="0" smtClean="0">
-                          <a:solidFill>
-                            <a:srgbClr val="24292E"/>
-                          </a:solidFill>
-                          <a:effectLst/>
-                          <a:latin typeface="Consolas" panose="020B0609020204030204" pitchFamily="49" charset="0"/>
-                          <a:cs typeface="Consolas" panose="020B0609020204030204" pitchFamily="49" charset="0"/>
-                        </a:rPr>
-                        <a:t>"</a:t>
-                      </a:r>
-                      <a:r>
-                        <a:rPr lang="de-DE" sz="1400" dirty="0" smtClean="0">
-                          <a:solidFill>
-                            <a:srgbClr val="032F62"/>
-                          </a:solidFill>
-                          <a:effectLst/>
-                          <a:latin typeface="Consolas" panose="020B0609020204030204" pitchFamily="49" charset="0"/>
-                          <a:cs typeface="Consolas" panose="020B0609020204030204" pitchFamily="49" charset="0"/>
-                        </a:rPr>
-                        <a:t>Angela Dorothea </a:t>
-                      </a:r>
-                      <a:r>
-                        <a:rPr lang="de-DE" sz="1400" dirty="0" err="1" smtClean="0">
-                          <a:solidFill>
-                            <a:srgbClr val="032F62"/>
-                          </a:solidFill>
-                          <a:effectLst/>
-                          <a:latin typeface="Consolas" panose="020B0609020204030204" pitchFamily="49" charset="0"/>
-                          <a:cs typeface="Consolas" panose="020B0609020204030204" pitchFamily="49" charset="0"/>
-                        </a:rPr>
-                        <a:t>Merkel</a:t>
-                      </a:r>
-                      <a:r>
-                        <a:rPr lang="de-DE" sz="1400" dirty="0" err="1" smtClean="0">
-                          <a:solidFill>
-                            <a:srgbClr val="24292E"/>
-                          </a:solidFill>
-                          <a:effectLst/>
-                          <a:latin typeface="Consolas" panose="020B0609020204030204" pitchFamily="49" charset="0"/>
-                          <a:cs typeface="Consolas" panose="020B0609020204030204" pitchFamily="49" charset="0"/>
-                        </a:rPr>
-                        <a:t>"</a:t>
-                      </a:r>
-                      <a:r>
-                        <a:rPr lang="de-DE" sz="1400" dirty="0" err="1" smtClean="0">
-                          <a:solidFill>
-                            <a:srgbClr val="005CC5"/>
-                          </a:solidFill>
-                          <a:effectLst/>
-                          <a:latin typeface="Consolas" panose="020B0609020204030204" pitchFamily="49" charset="0"/>
-                          <a:cs typeface="Consolas" panose="020B0609020204030204" pitchFamily="49" charset="0"/>
-                        </a:rPr>
-                        <a:t>@en</a:t>
-                      </a:r>
-                      <a:r>
-                        <a:rPr lang="de-DE" sz="1400" baseline="0" dirty="0" smtClean="0">
-                          <a:solidFill>
-                            <a:srgbClr val="24292E"/>
-                          </a:solidFill>
-                          <a:effectLst/>
-                          <a:latin typeface="Consolas" panose="020B0609020204030204" pitchFamily="49" charset="0"/>
-                          <a:cs typeface="Consolas" panose="020B0609020204030204" pitchFamily="49" charset="0"/>
-                        </a:rPr>
-                        <a:t> </a:t>
-                      </a:r>
-                      <a:r>
-                        <a:rPr lang="de-DE" sz="1400" dirty="0" smtClean="0">
-                          <a:solidFill>
-                            <a:srgbClr val="24292E"/>
-                          </a:solidFill>
-                          <a:effectLst/>
-                          <a:latin typeface="Consolas" panose="020B0609020204030204" pitchFamily="49" charset="0"/>
-                          <a:cs typeface="Consolas" panose="020B0609020204030204" pitchFamily="49" charset="0"/>
-                        </a:rPr>
-                        <a:t>.</a:t>
-                      </a:r>
-                      <a:endParaRPr lang="de-DE" sz="1400" dirty="0">
-                        <a:solidFill>
-                          <a:srgbClr val="24292E"/>
-                        </a:solidFill>
-                        <a:effectLst/>
-                        <a:latin typeface="Consolas" panose="020B0609020204030204" pitchFamily="49" charset="0"/>
-                        <a:cs typeface="Consolas" panose="020B0609020204030204" pitchFamily="49" charset="0"/>
-                      </a:endParaRPr>
-                    </a:p>
-                  </a:txBody>
-                  <a:tcPr marL="5339" marR="5339" marT="2563" marB="2563">
-                    <a:lnL>
-                      <a:noFill/>
-                    </a:lnL>
-                    <a:lnR>
-                      <a:noFill/>
-                    </a:lnR>
-                    <a:lnT>
-                      <a:noFill/>
-                    </a:lnT>
-                    <a:lnB>
-                      <a:noFill/>
-                    </a:lnB>
-                    <a:lnTlToBr w="12700" cmpd="sng">
-                      <a:noFill/>
-                      <a:prstDash val="solid"/>
-                    </a:lnTlToBr>
-                    <a:lnBlToTr w="12700" cmpd="sng">
-                      <a:noFill/>
-                      <a:prstDash val="solid"/>
-                    </a:lnBlToTr>
-                    <a:solidFill>
-                      <a:srgbClr val="FFFFFF"/>
-                    </a:solidFill>
-                  </a:tcPr>
-                </a:tc>
-              </a:tr>
-              <a:tr h="144016">
-                <a:tc>
-                  <a:txBody>
-                    <a:bodyPr/>
-                    <a:lstStyle/>
-                    <a:p>
-                      <a:pPr fontAlgn="t"/>
-                      <a:endParaRPr lang="de-DE" sz="1400" dirty="0">
-                        <a:solidFill>
-                          <a:srgbClr val="24292E"/>
-                        </a:solidFill>
-                        <a:effectLst/>
-                        <a:latin typeface="Consolas" panose="020B0609020204030204" pitchFamily="49" charset="0"/>
-                        <a:cs typeface="Consolas" panose="020B0609020204030204" pitchFamily="49" charset="0"/>
-                      </a:endParaRPr>
-                    </a:p>
-                  </a:txBody>
-                  <a:tcPr marL="5339" marR="5339" marT="2563" marB="2563">
-                    <a:lnL>
-                      <a:noFill/>
-                    </a:lnL>
-                    <a:lnR>
-                      <a:noFill/>
-                    </a:lnR>
-                    <a:lnT>
-                      <a:noFill/>
-                    </a:lnT>
-                    <a:lnB>
-                      <a:noFill/>
-                    </a:lnB>
-                    <a:lnTlToBr w="12700" cmpd="sng">
-                      <a:noFill/>
-                      <a:prstDash val="solid"/>
-                    </a:lnTlToBr>
-                    <a:lnBlToTr w="12700" cmpd="sng">
-                      <a:noFill/>
-                      <a:prstDash val="solid"/>
-                    </a:lnBlToTr>
-                    <a:solidFill>
-                      <a:srgbClr val="FFFFFF"/>
-                    </a:solidFill>
-                  </a:tcPr>
-                </a:tc>
-              </a:tr>
-              <a:tr h="35880">
-                <a:tc>
-                  <a:txBody>
-                    <a:bodyPr/>
-                    <a:lstStyle/>
-                    <a:p>
-                      <a:pPr fontAlgn="t"/>
-                      <a:r>
-                        <a:rPr lang="de-DE" sz="1400" dirty="0">
-                          <a:solidFill>
-                            <a:srgbClr val="6F42C1"/>
-                          </a:solidFill>
-                          <a:effectLst/>
-                          <a:latin typeface="Consolas" panose="020B0609020204030204" pitchFamily="49" charset="0"/>
-                          <a:cs typeface="Consolas" panose="020B0609020204030204" pitchFamily="49" charset="0"/>
-                        </a:rPr>
-                        <a:t>&lt;http://</a:t>
-                      </a:r>
-                      <a:r>
-                        <a:rPr lang="de-DE" sz="1400" dirty="0" smtClean="0">
-                          <a:solidFill>
-                            <a:srgbClr val="6F42C1"/>
-                          </a:solidFill>
-                          <a:effectLst/>
-                          <a:latin typeface="Consolas" panose="020B0609020204030204" pitchFamily="49" charset="0"/>
-                          <a:cs typeface="Consolas" panose="020B0609020204030204" pitchFamily="49" charset="0"/>
-                        </a:rPr>
-                        <a:t>dbpedia.org/resource/Germany&gt;</a:t>
-                      </a:r>
-                      <a:endParaRPr lang="de-DE" sz="1400" dirty="0">
-                        <a:solidFill>
-                          <a:srgbClr val="24292E"/>
-                        </a:solidFill>
-                        <a:effectLst/>
-                        <a:latin typeface="Consolas" panose="020B0609020204030204" pitchFamily="49" charset="0"/>
-                        <a:cs typeface="Consolas" panose="020B0609020204030204" pitchFamily="49" charset="0"/>
-                      </a:endParaRPr>
-                    </a:p>
-                  </a:txBody>
-                  <a:tcPr marL="5339" marR="5339" marT="2563" marB="2563">
-                    <a:lnL>
-                      <a:noFill/>
-                    </a:lnL>
-                    <a:lnR>
-                      <a:noFill/>
-                    </a:lnR>
-                    <a:lnT>
-                      <a:noFill/>
-                    </a:lnT>
-                    <a:lnB>
-                      <a:noFill/>
-                    </a:lnB>
-                    <a:lnTlToBr w="12700" cmpd="sng">
-                      <a:noFill/>
-                      <a:prstDash val="solid"/>
-                    </a:lnTlToBr>
-                    <a:lnBlToTr w="12700" cmpd="sng">
-                      <a:noFill/>
-                      <a:prstDash val="solid"/>
-                    </a:lnBlToTr>
-                    <a:solidFill>
-                      <a:srgbClr val="FFFFFF"/>
-                    </a:solidFill>
-                  </a:tcPr>
-                </a:tc>
-              </a:tr>
-              <a:tr h="51257">
-                <a:tc>
-                  <a:txBody>
-                    <a:bodyPr/>
-                    <a:lstStyle/>
-                    <a:p>
-                      <a:pPr lvl="1" fontAlgn="t"/>
-                      <a:r>
-                        <a:rPr lang="de-DE" sz="1400" dirty="0" err="1">
-                          <a:solidFill>
-                            <a:srgbClr val="24292E"/>
-                          </a:solidFill>
-                          <a:effectLst/>
-                          <a:latin typeface="Consolas" panose="020B0609020204030204" pitchFamily="49" charset="0"/>
-                          <a:cs typeface="Consolas" panose="020B0609020204030204" pitchFamily="49" charset="0"/>
-                        </a:rPr>
-                        <a:t>rdfs:label</a:t>
-                      </a:r>
-                      <a:r>
-                        <a:rPr lang="de-DE" sz="1400" dirty="0">
-                          <a:solidFill>
-                            <a:srgbClr val="24292E"/>
-                          </a:solidFill>
-                          <a:effectLst/>
-                          <a:latin typeface="Consolas" panose="020B0609020204030204" pitchFamily="49" charset="0"/>
-                          <a:cs typeface="Consolas" panose="020B0609020204030204" pitchFamily="49" charset="0"/>
-                        </a:rPr>
-                        <a:t> </a:t>
-                      </a:r>
-                      <a:r>
-                        <a:rPr lang="de-DE" sz="1400" dirty="0" smtClean="0">
-                          <a:solidFill>
-                            <a:srgbClr val="032F62"/>
-                          </a:solidFill>
-                          <a:effectLst/>
-                          <a:latin typeface="Consolas" panose="020B0609020204030204" pitchFamily="49" charset="0"/>
-                          <a:cs typeface="Consolas" panose="020B0609020204030204" pitchFamily="49" charset="0"/>
-                        </a:rPr>
-                        <a:t>"</a:t>
-                      </a:r>
-                      <a:r>
-                        <a:rPr lang="de-DE" sz="1400" dirty="0" err="1" smtClean="0">
-                          <a:solidFill>
-                            <a:srgbClr val="032F62"/>
-                          </a:solidFill>
-                          <a:effectLst/>
-                          <a:latin typeface="Consolas" panose="020B0609020204030204" pitchFamily="49" charset="0"/>
-                          <a:cs typeface="Consolas" panose="020B0609020204030204" pitchFamily="49" charset="0"/>
-                        </a:rPr>
-                        <a:t>Deutschland"</a:t>
-                      </a:r>
-                      <a:r>
-                        <a:rPr lang="de-DE" sz="1400" dirty="0" err="1" smtClean="0">
-                          <a:solidFill>
-                            <a:srgbClr val="005CC5"/>
-                          </a:solidFill>
-                          <a:effectLst/>
-                          <a:latin typeface="Consolas" panose="020B0609020204030204" pitchFamily="49" charset="0"/>
-                          <a:cs typeface="Consolas" panose="020B0609020204030204" pitchFamily="49" charset="0"/>
-                        </a:rPr>
-                        <a:t>@</a:t>
-                      </a:r>
-                      <a:r>
-                        <a:rPr lang="de-DE" sz="1400" dirty="0" err="1">
-                          <a:solidFill>
-                            <a:srgbClr val="005CC5"/>
-                          </a:solidFill>
-                          <a:effectLst/>
-                          <a:latin typeface="Consolas" panose="020B0609020204030204" pitchFamily="49" charset="0"/>
-                          <a:cs typeface="Consolas" panose="020B0609020204030204" pitchFamily="49" charset="0"/>
-                        </a:rPr>
-                        <a:t>de</a:t>
-                      </a:r>
-                      <a:r>
-                        <a:rPr lang="de-DE" sz="1400" dirty="0">
-                          <a:solidFill>
-                            <a:srgbClr val="24292E"/>
-                          </a:solidFill>
-                          <a:effectLst/>
-                          <a:latin typeface="Consolas" panose="020B0609020204030204" pitchFamily="49" charset="0"/>
-                          <a:cs typeface="Consolas" panose="020B0609020204030204" pitchFamily="49" charset="0"/>
-                        </a:rPr>
-                        <a:t> , </a:t>
-                      </a:r>
-                      <a:r>
-                        <a:rPr lang="de-DE" sz="1400" dirty="0" smtClean="0">
-                          <a:solidFill>
-                            <a:srgbClr val="032F62"/>
-                          </a:solidFill>
-                          <a:effectLst/>
-                          <a:latin typeface="Consolas" panose="020B0609020204030204" pitchFamily="49" charset="0"/>
-                          <a:cs typeface="Consolas" panose="020B0609020204030204" pitchFamily="49" charset="0"/>
-                        </a:rPr>
-                        <a:t>"</a:t>
-                      </a:r>
-                      <a:r>
-                        <a:rPr lang="de-DE" sz="1400" dirty="0" err="1" smtClean="0">
-                          <a:solidFill>
-                            <a:srgbClr val="032F62"/>
-                          </a:solidFill>
-                          <a:effectLst/>
-                          <a:latin typeface="Consolas" panose="020B0609020204030204" pitchFamily="49" charset="0"/>
-                          <a:cs typeface="Consolas" panose="020B0609020204030204" pitchFamily="49" charset="0"/>
-                        </a:rPr>
-                        <a:t>Germany"</a:t>
-                      </a:r>
-                      <a:r>
-                        <a:rPr lang="de-DE" sz="1400" dirty="0" err="1" smtClean="0">
-                          <a:solidFill>
-                            <a:srgbClr val="005CC5"/>
-                          </a:solidFill>
-                          <a:effectLst/>
-                          <a:latin typeface="Consolas" panose="020B0609020204030204" pitchFamily="49" charset="0"/>
-                          <a:cs typeface="Consolas" panose="020B0609020204030204" pitchFamily="49" charset="0"/>
-                        </a:rPr>
-                        <a:t>@en</a:t>
-                      </a:r>
-                      <a:r>
-                        <a:rPr lang="de-DE" sz="1400" dirty="0" smtClean="0">
-                          <a:solidFill>
-                            <a:srgbClr val="005CC5"/>
-                          </a:solidFill>
-                          <a:effectLst/>
-                          <a:latin typeface="Consolas" panose="020B0609020204030204" pitchFamily="49" charset="0"/>
-                          <a:cs typeface="Consolas" panose="020B0609020204030204" pitchFamily="49" charset="0"/>
-                        </a:rPr>
-                        <a:t> </a:t>
-                      </a:r>
-                      <a:r>
-                        <a:rPr lang="de-DE" sz="1400" dirty="0" smtClean="0">
-                          <a:solidFill>
-                            <a:srgbClr val="24292E"/>
-                          </a:solidFill>
-                          <a:effectLst/>
-                          <a:latin typeface="Consolas" panose="020B0609020204030204" pitchFamily="49" charset="0"/>
-                          <a:cs typeface="Consolas" panose="020B0609020204030204" pitchFamily="49" charset="0"/>
-                        </a:rPr>
-                        <a:t>.</a:t>
-                      </a:r>
-                      <a:endParaRPr lang="de-DE" sz="1400" dirty="0">
-                        <a:solidFill>
-                          <a:srgbClr val="24292E"/>
-                        </a:solidFill>
-                        <a:effectLst/>
-                        <a:latin typeface="Consolas" panose="020B0609020204030204" pitchFamily="49" charset="0"/>
-                        <a:cs typeface="Consolas" panose="020B0609020204030204" pitchFamily="49" charset="0"/>
-                      </a:endParaRPr>
-                    </a:p>
-                  </a:txBody>
-                  <a:tcPr marL="5339" marR="5339" marT="2563" marB="2563">
-                    <a:lnL>
-                      <a:noFill/>
-                    </a:lnL>
-                    <a:lnR>
-                      <a:noFill/>
-                    </a:lnR>
-                    <a:lnT>
-                      <a:noFill/>
-                    </a:lnT>
-                    <a:lnB>
-                      <a:noFill/>
-                    </a:lnB>
-                    <a:lnTlToBr w="12700" cmpd="sng">
-                      <a:noFill/>
-                      <a:prstDash val="solid"/>
-                    </a:lnTlToBr>
-                    <a:lnBlToTr w="12700" cmpd="sng">
-                      <a:noFill/>
-                      <a:prstDash val="solid"/>
-                    </a:lnBlToTr>
-                    <a:solidFill>
-                      <a:srgbClr val="FFFFFF"/>
-                    </a:solidFill>
-                  </a:tcPr>
-                </a:tc>
-              </a:tr>
-              <a:tr h="51257">
-                <a:tc>
-                  <a:txBody>
-                    <a:bodyPr/>
-                    <a:lstStyle/>
-                    <a:p>
-                      <a:pPr fontAlgn="t"/>
-                      <a:endParaRPr lang="de-DE" sz="1400" dirty="0" smtClean="0">
-                        <a:solidFill>
-                          <a:srgbClr val="6F42C1"/>
-                        </a:solidFill>
-                        <a:effectLst/>
-                        <a:latin typeface="Consolas" panose="020B0609020204030204" pitchFamily="49" charset="0"/>
-                        <a:cs typeface="Consolas" panose="020B0609020204030204" pitchFamily="49" charset="0"/>
-                      </a:endParaRPr>
-                    </a:p>
-                    <a:p>
-                      <a:pPr fontAlgn="t"/>
-                      <a:r>
-                        <a:rPr lang="de-DE" sz="1400" dirty="0" smtClean="0">
-                          <a:solidFill>
-                            <a:srgbClr val="6F42C1"/>
-                          </a:solidFill>
-                          <a:effectLst/>
-                          <a:latin typeface="Consolas" panose="020B0609020204030204" pitchFamily="49" charset="0"/>
-                          <a:cs typeface="Consolas" panose="020B0609020204030204" pitchFamily="49" charset="0"/>
-                        </a:rPr>
-                        <a:t>&lt;</a:t>
-                      </a:r>
-                      <a:r>
-                        <a:rPr lang="de-DE" sz="1400" dirty="0">
-                          <a:solidFill>
-                            <a:srgbClr val="6F42C1"/>
-                          </a:solidFill>
-                          <a:effectLst/>
-                          <a:latin typeface="Consolas" panose="020B0609020204030204" pitchFamily="49" charset="0"/>
-                          <a:cs typeface="Consolas" panose="020B0609020204030204" pitchFamily="49" charset="0"/>
-                        </a:rPr>
-                        <a:t>http://</a:t>
-                      </a:r>
-                      <a:r>
-                        <a:rPr lang="de-DE" sz="1400" dirty="0" smtClean="0">
-                          <a:solidFill>
-                            <a:srgbClr val="6F42C1"/>
-                          </a:solidFill>
-                          <a:effectLst/>
-                          <a:latin typeface="Consolas" panose="020B0609020204030204" pitchFamily="49" charset="0"/>
-                          <a:cs typeface="Consolas" panose="020B0609020204030204" pitchFamily="49" charset="0"/>
-                        </a:rPr>
-                        <a:t>dbpedia.org/resource/Angela_Merkel__</a:t>
-                      </a:r>
-                      <a:r>
-                        <a:rPr lang="de-DE" sz="1400" dirty="0">
-                          <a:solidFill>
-                            <a:srgbClr val="6F42C1"/>
-                          </a:solidFill>
-                          <a:effectLst/>
-                          <a:latin typeface="Consolas" panose="020B0609020204030204" pitchFamily="49" charset="0"/>
-                          <a:cs typeface="Consolas" panose="020B0609020204030204" pitchFamily="49" charset="0"/>
-                        </a:rPr>
-                        <a:t>1&gt;</a:t>
-                      </a:r>
-                      <a:endParaRPr lang="de-DE" sz="1400" dirty="0">
-                        <a:solidFill>
-                          <a:srgbClr val="24292E"/>
-                        </a:solidFill>
-                        <a:effectLst/>
-                        <a:latin typeface="Consolas" panose="020B0609020204030204" pitchFamily="49" charset="0"/>
-                        <a:cs typeface="Consolas" panose="020B0609020204030204" pitchFamily="49" charset="0"/>
-                      </a:endParaRPr>
-                    </a:p>
-                  </a:txBody>
-                  <a:tcPr marL="5339" marR="5339" marT="2563" marB="2563">
-                    <a:lnL>
-                      <a:noFill/>
-                    </a:lnL>
-                    <a:lnR>
-                      <a:noFill/>
-                    </a:lnR>
-                    <a:lnT>
-                      <a:noFill/>
-                    </a:lnT>
-                    <a:lnB>
-                      <a:noFill/>
-                    </a:lnB>
-                    <a:lnTlToBr w="12700" cmpd="sng">
-                      <a:noFill/>
-                      <a:prstDash val="solid"/>
-                    </a:lnTlToBr>
-                    <a:lnBlToTr w="12700" cmpd="sng">
-                      <a:noFill/>
-                      <a:prstDash val="solid"/>
-                    </a:lnBlToTr>
-                    <a:solidFill>
-                      <a:srgbClr val="FFFFFF"/>
-                    </a:solidFill>
-                  </a:tcPr>
-                </a:tc>
-              </a:tr>
-              <a:tr h="35880">
-                <a:tc>
-                  <a:txBody>
-                    <a:bodyPr/>
-                    <a:lstStyle/>
-                    <a:p>
-                      <a:pPr lvl="1" fontAlgn="t"/>
-                      <a:r>
-                        <a:rPr lang="de-DE" sz="1400" dirty="0" err="1">
-                          <a:solidFill>
-                            <a:srgbClr val="24292E"/>
-                          </a:solidFill>
-                          <a:effectLst/>
-                          <a:latin typeface="Consolas" panose="020B0609020204030204" pitchFamily="49" charset="0"/>
-                          <a:cs typeface="Consolas" panose="020B0609020204030204" pitchFamily="49" charset="0"/>
-                        </a:rPr>
-                        <a:t>dbo:from</a:t>
-                      </a:r>
-                      <a:r>
-                        <a:rPr lang="de-DE" sz="1400" dirty="0">
-                          <a:solidFill>
-                            <a:srgbClr val="24292E"/>
-                          </a:solidFill>
-                          <a:effectLst/>
-                          <a:latin typeface="Consolas" panose="020B0609020204030204" pitchFamily="49" charset="0"/>
-                          <a:cs typeface="Consolas" panose="020B0609020204030204" pitchFamily="49" charset="0"/>
-                        </a:rPr>
-                        <a:t> </a:t>
-                      </a:r>
-                      <a:r>
-                        <a:rPr lang="de-DE" sz="1400" dirty="0">
-                          <a:solidFill>
-                            <a:srgbClr val="032F62"/>
-                          </a:solidFill>
-                          <a:effectLst/>
-                          <a:latin typeface="Consolas" panose="020B0609020204030204" pitchFamily="49" charset="0"/>
-                          <a:cs typeface="Consolas" panose="020B0609020204030204" pitchFamily="49" charset="0"/>
-                        </a:rPr>
-                        <a:t>"</a:t>
-                      </a:r>
-                      <a:r>
-                        <a:rPr lang="de-DE" sz="1400" dirty="0" smtClean="0">
-                          <a:solidFill>
-                            <a:srgbClr val="032F62"/>
-                          </a:solidFill>
-                          <a:effectLst/>
-                          <a:latin typeface="Consolas" panose="020B0609020204030204" pitchFamily="49" charset="0"/>
-                          <a:cs typeface="Consolas" panose="020B0609020204030204" pitchFamily="49" charset="0"/>
-                        </a:rPr>
-                        <a:t>2005-09-18"</a:t>
-                      </a:r>
-                      <a:r>
-                        <a:rPr lang="de-DE" sz="1400" dirty="0" smtClean="0">
-                          <a:solidFill>
-                            <a:srgbClr val="D73A49"/>
-                          </a:solidFill>
-                          <a:effectLst/>
-                          <a:latin typeface="Consolas" panose="020B0609020204030204" pitchFamily="49" charset="0"/>
-                          <a:cs typeface="Consolas" panose="020B0609020204030204" pitchFamily="49" charset="0"/>
-                        </a:rPr>
-                        <a:t>^^</a:t>
-                      </a:r>
-                      <a:r>
-                        <a:rPr lang="de-DE" sz="1400" dirty="0" err="1">
-                          <a:solidFill>
-                            <a:srgbClr val="D73A49"/>
-                          </a:solidFill>
-                          <a:effectLst/>
-                          <a:latin typeface="Consolas" panose="020B0609020204030204" pitchFamily="49" charset="0"/>
-                          <a:cs typeface="Consolas" panose="020B0609020204030204" pitchFamily="49" charset="0"/>
-                        </a:rPr>
-                        <a:t>xsd:date</a:t>
-                      </a:r>
-                      <a:r>
-                        <a:rPr lang="de-DE" sz="1400" dirty="0">
-                          <a:solidFill>
-                            <a:srgbClr val="24292E"/>
-                          </a:solidFill>
-                          <a:effectLst/>
-                          <a:latin typeface="Consolas" panose="020B0609020204030204" pitchFamily="49" charset="0"/>
-                          <a:cs typeface="Consolas" panose="020B0609020204030204" pitchFamily="49" charset="0"/>
-                        </a:rPr>
-                        <a:t> ;</a:t>
-                      </a:r>
-                    </a:p>
-                  </a:txBody>
-                  <a:tcPr marL="5339" marR="5339" marT="2563" marB="2563">
-                    <a:lnL>
-                      <a:noFill/>
-                    </a:lnL>
-                    <a:lnR>
-                      <a:noFill/>
-                    </a:lnR>
-                    <a:lnT>
-                      <a:noFill/>
-                    </a:lnT>
-                    <a:lnB>
-                      <a:noFill/>
-                    </a:lnB>
-                    <a:lnTlToBr w="12700" cmpd="sng">
-                      <a:noFill/>
-                      <a:prstDash val="solid"/>
-                    </a:lnTlToBr>
-                    <a:lnBlToTr w="12700" cmpd="sng">
-                      <a:noFill/>
-                      <a:prstDash val="solid"/>
-                    </a:lnBlToTr>
-                    <a:solidFill>
-                      <a:srgbClr val="FFFFFF"/>
-                    </a:solidFill>
-                  </a:tcPr>
-                </a:tc>
-              </a:tr>
-              <a:tr h="51257">
-                <a:tc>
-                  <a:txBody>
-                    <a:bodyPr/>
-                    <a:lstStyle/>
-                    <a:p>
-                      <a:pPr lvl="1" fontAlgn="t"/>
-                      <a:r>
-                        <a:rPr lang="de-DE" sz="1400" dirty="0" err="1">
-                          <a:solidFill>
-                            <a:srgbClr val="24292E"/>
-                          </a:solidFill>
-                          <a:effectLst/>
-                          <a:latin typeface="Consolas" panose="020B0609020204030204" pitchFamily="49" charset="0"/>
-                          <a:cs typeface="Consolas" panose="020B0609020204030204" pitchFamily="49" charset="0"/>
-                        </a:rPr>
-                        <a:t>dbo:office</a:t>
-                      </a:r>
-                      <a:r>
-                        <a:rPr lang="de-DE" sz="1400" dirty="0">
-                          <a:solidFill>
-                            <a:srgbClr val="24292E"/>
-                          </a:solidFill>
-                          <a:effectLst/>
-                          <a:latin typeface="Consolas" panose="020B0609020204030204" pitchFamily="49" charset="0"/>
-                          <a:cs typeface="Consolas" panose="020B0609020204030204" pitchFamily="49" charset="0"/>
-                        </a:rPr>
-                        <a:t> </a:t>
-                      </a:r>
-                      <a:r>
-                        <a:rPr lang="de-DE" sz="1400" dirty="0">
-                          <a:solidFill>
-                            <a:srgbClr val="6F42C1"/>
-                          </a:solidFill>
-                          <a:effectLst/>
-                          <a:latin typeface="Consolas" panose="020B0609020204030204" pitchFamily="49" charset="0"/>
-                          <a:cs typeface="Consolas" panose="020B0609020204030204" pitchFamily="49" charset="0"/>
-                        </a:rPr>
-                        <a:t>&lt;http://</a:t>
-                      </a:r>
-                      <a:r>
-                        <a:rPr lang="de-DE" sz="1400" dirty="0" smtClean="0">
-                          <a:solidFill>
-                            <a:srgbClr val="6F42C1"/>
-                          </a:solidFill>
-                          <a:effectLst/>
-                          <a:latin typeface="Consolas" panose="020B0609020204030204" pitchFamily="49" charset="0"/>
-                          <a:cs typeface="Consolas" panose="020B0609020204030204" pitchFamily="49" charset="0"/>
-                        </a:rPr>
-                        <a:t>dbpedia.org/resource/Germany&gt;</a:t>
-                      </a:r>
-                      <a:r>
-                        <a:rPr lang="de-DE" sz="1400" dirty="0" smtClean="0">
-                          <a:solidFill>
-                            <a:srgbClr val="24292E"/>
-                          </a:solidFill>
-                          <a:effectLst/>
-                          <a:latin typeface="Consolas" panose="020B0609020204030204" pitchFamily="49" charset="0"/>
-                          <a:cs typeface="Consolas" panose="020B0609020204030204" pitchFamily="49" charset="0"/>
-                        </a:rPr>
-                        <a:t> </a:t>
-                      </a:r>
-                      <a:r>
-                        <a:rPr lang="de-DE" sz="1400" dirty="0">
-                          <a:solidFill>
-                            <a:srgbClr val="24292E"/>
-                          </a:solidFill>
-                          <a:effectLst/>
-                          <a:latin typeface="Consolas" panose="020B0609020204030204" pitchFamily="49" charset="0"/>
-                          <a:cs typeface="Consolas" panose="020B0609020204030204" pitchFamily="49" charset="0"/>
-                        </a:rPr>
-                        <a:t>;</a:t>
-                      </a:r>
-                    </a:p>
-                  </a:txBody>
-                  <a:tcPr marL="5339" marR="5339" marT="2563" marB="2563">
-                    <a:lnL>
-                      <a:noFill/>
-                    </a:lnL>
-                    <a:lnR>
-                      <a:noFill/>
-                    </a:lnR>
-                    <a:lnT>
-                      <a:noFill/>
-                    </a:lnT>
-                    <a:lnB>
-                      <a:noFill/>
-                    </a:lnB>
-                    <a:lnTlToBr w="12700" cmpd="sng">
-                      <a:noFill/>
-                      <a:prstDash val="solid"/>
-                    </a:lnTlToBr>
-                    <a:lnBlToTr w="12700" cmpd="sng">
-                      <a:noFill/>
-                      <a:prstDash val="solid"/>
-                    </a:lnBlToTr>
-                    <a:solidFill>
-                      <a:srgbClr val="FFFFFF"/>
-                    </a:solidFill>
-                  </a:tcPr>
-                </a:tc>
-              </a:tr>
-              <a:tr h="35880">
-                <a:tc>
-                  <a:txBody>
-                    <a:bodyPr/>
-                    <a:lstStyle/>
-                    <a:p>
-                      <a:pPr lvl="1" fontAlgn="t"/>
-                      <a:r>
-                        <a:rPr lang="de-DE" sz="1400" dirty="0" err="1">
-                          <a:solidFill>
-                            <a:srgbClr val="24292E"/>
-                          </a:solidFill>
-                          <a:effectLst/>
-                          <a:latin typeface="Consolas" panose="020B0609020204030204" pitchFamily="49" charset="0"/>
-                          <a:cs typeface="Consolas" panose="020B0609020204030204" pitchFamily="49" charset="0"/>
-                        </a:rPr>
-                        <a:t>dbo:to</a:t>
-                      </a:r>
-                      <a:r>
-                        <a:rPr lang="de-DE" sz="1400" dirty="0">
-                          <a:solidFill>
-                            <a:srgbClr val="24292E"/>
-                          </a:solidFill>
-                          <a:effectLst/>
-                          <a:latin typeface="Consolas" panose="020B0609020204030204" pitchFamily="49" charset="0"/>
-                          <a:cs typeface="Consolas" panose="020B0609020204030204" pitchFamily="49" charset="0"/>
-                        </a:rPr>
-                        <a:t> </a:t>
-                      </a:r>
-                      <a:r>
-                        <a:rPr lang="de-DE" sz="1400" dirty="0">
-                          <a:solidFill>
-                            <a:srgbClr val="032F62"/>
-                          </a:solidFill>
-                          <a:effectLst/>
-                          <a:latin typeface="Consolas" panose="020B0609020204030204" pitchFamily="49" charset="0"/>
-                          <a:cs typeface="Consolas" panose="020B0609020204030204" pitchFamily="49" charset="0"/>
-                        </a:rPr>
-                        <a:t>"</a:t>
-                      </a:r>
-                      <a:r>
-                        <a:rPr lang="de-DE" sz="1400" dirty="0" smtClean="0">
-                          <a:solidFill>
-                            <a:srgbClr val="032F62"/>
-                          </a:solidFill>
-                          <a:effectLst/>
-                          <a:latin typeface="Consolas" panose="020B0609020204030204" pitchFamily="49" charset="0"/>
-                          <a:cs typeface="Consolas" panose="020B0609020204030204" pitchFamily="49" charset="0"/>
-                        </a:rPr>
-                        <a:t>2009-09-27"</a:t>
-                      </a:r>
-                      <a:r>
-                        <a:rPr lang="de-DE" sz="1400" dirty="0" smtClean="0">
-                          <a:solidFill>
-                            <a:srgbClr val="D73A49"/>
-                          </a:solidFill>
-                          <a:effectLst/>
-                          <a:latin typeface="Consolas" panose="020B0609020204030204" pitchFamily="49" charset="0"/>
-                          <a:cs typeface="Consolas" panose="020B0609020204030204" pitchFamily="49" charset="0"/>
-                        </a:rPr>
-                        <a:t>^^</a:t>
-                      </a:r>
-                      <a:r>
-                        <a:rPr lang="de-DE" sz="1400" dirty="0" err="1">
-                          <a:solidFill>
-                            <a:srgbClr val="D73A49"/>
-                          </a:solidFill>
-                          <a:effectLst/>
-                          <a:latin typeface="Consolas" panose="020B0609020204030204" pitchFamily="49" charset="0"/>
-                          <a:cs typeface="Consolas" panose="020B0609020204030204" pitchFamily="49" charset="0"/>
-                        </a:rPr>
-                        <a:t>xsd:date</a:t>
-                      </a:r>
-                      <a:r>
-                        <a:rPr lang="de-DE" sz="1400" dirty="0">
-                          <a:solidFill>
-                            <a:srgbClr val="24292E"/>
-                          </a:solidFill>
-                          <a:effectLst/>
-                          <a:latin typeface="Consolas" panose="020B0609020204030204" pitchFamily="49" charset="0"/>
-                          <a:cs typeface="Consolas" panose="020B0609020204030204" pitchFamily="49" charset="0"/>
-                        </a:rPr>
-                        <a:t> .</a:t>
-                      </a:r>
-                    </a:p>
-                  </a:txBody>
-                  <a:tcPr marL="5339" marR="5339" marT="2563" marB="2563">
-                    <a:lnL>
-                      <a:noFill/>
-                    </a:lnL>
-                    <a:lnR>
-                      <a:noFill/>
-                    </a:lnR>
-                    <a:lnT>
-                      <a:noFill/>
-                    </a:lnT>
-                    <a:lnB>
-                      <a:noFill/>
-                    </a:lnB>
-                    <a:lnTlToBr w="12700" cmpd="sng">
-                      <a:noFill/>
-                      <a:prstDash val="solid"/>
-                    </a:lnTlToBr>
-                    <a:lnBlToTr w="12700" cmpd="sng">
-                      <a:noFill/>
-                      <a:prstDash val="solid"/>
-                    </a:lnBlToTr>
-                    <a:solidFill>
-                      <a:srgbClr val="FFFFFF"/>
-                    </a:solidFill>
-                  </a:tcPr>
-                </a:tc>
-              </a:tr>
-            </a:tbl>
-          </a:graphicData>
-        </a:graphic>
-      </p:graphicFrame>
+      <p:sp>
+        <p:nvSpPr>
+          <p:cNvPr id="4" name="Textfeld 3"/>
+          <p:cNvSpPr txBox="1"/>
+          <p:nvPr/>
+        </p:nvSpPr>
+        <p:spPr>
+          <a:xfrm>
+            <a:off x="395539" y="476672"/>
+            <a:ext cx="8335935" cy="523220"/>
+          </a:xfrm>
+          <a:prstGeom prst="rect">
+            <a:avLst/>
+          </a:prstGeom>
+          <a:noFill/>
+        </p:spPr>
+        <p:txBody>
+          <a:bodyPr wrap="none" rtlCol="0" anchor="ctr">
+            <a:spAutoFit/>
+          </a:bodyPr>
+          <a:lstStyle/>
+          <a:p>
+            <a:pPr algn="ctr"/>
+            <a:r>
+              <a:rPr lang="en-US" sz="2800" dirty="0" smtClean="0">
+                <a:latin typeface="Roboto" panose="02000000000000000000" pitchFamily="2" charset="0"/>
+                <a:ea typeface="Roboto" panose="02000000000000000000" pitchFamily="2" charset="0"/>
+              </a:rPr>
+              <a:t>“Angela </a:t>
+            </a:r>
+            <a:r>
+              <a:rPr lang="en-US" sz="2800" dirty="0" smtClean="0">
+                <a:latin typeface="Roboto" panose="02000000000000000000" pitchFamily="2" charset="0"/>
+                <a:ea typeface="Roboto" panose="02000000000000000000" pitchFamily="2" charset="0"/>
+              </a:rPr>
+              <a:t>Merkel is Germany’s head of government.”</a:t>
+            </a:r>
+            <a:endParaRPr lang="de-DE" sz="2800" dirty="0">
+              <a:latin typeface="Roboto" panose="02000000000000000000" pitchFamily="2" charset="0"/>
+              <a:ea typeface="Roboto" panose="02000000000000000000" pitchFamily="2" charset="0"/>
+            </a:endParaRPr>
+          </a:p>
+        </p:txBody>
+      </p:sp>
       <p:pic>
         <p:nvPicPr>
-          <p:cNvPr id="2049" name="Picture 1" descr="C:\Users\a587002\AppData\Local\Temp\png1346191246426931684.png"/>
+          <p:cNvPr id="1026" name="Picture 2"/>
           <p:cNvPicPr>
             <a:picLocks noChangeAspect="1" noChangeArrowheads="1"/>
           </p:cNvPicPr>
@@ -5272,20 +4057,33 @@
         </p:blipFill>
         <p:spPr bwMode="auto">
           <a:xfrm>
-            <a:off x="1979713" y="3346207"/>
-            <a:ext cx="5184575" cy="3323153"/>
+            <a:off x="611560" y="1556793"/>
+            <a:ext cx="8064896" cy="5023507"/>
           </a:xfrm>
           <a:prstGeom prst="rect">
             <a:avLst/>
           </a:prstGeom>
           <a:noFill/>
+          <a:ln>
+            <a:noFill/>
+          </a:ln>
           <a:extLst>
             <a:ext uri="{909E8E84-426E-40DD-AFC4-6F175D3DCCD1}">
               <a14:hiddenFill xmlns:a14="http://schemas.microsoft.com/office/drawing/2010/main">
                 <a:solidFill>
-                  <a:srgbClr val="FFFFFF"/>
+                  <a:schemeClr val="accent1"/>
                 </a:solidFill>
               </a14:hiddenFill>
+            </a:ext>
+            <a:ext uri="{91240B29-F687-4F45-9708-019B960494DF}">
+              <a14:hiddenLine xmlns:a14="http://schemas.microsoft.com/office/drawing/2010/main" w="9525">
+                <a:solidFill>
+                  <a:schemeClr val="tx1"/>
+                </a:solidFill>
+                <a:miter lim="800000"/>
+                <a:headEnd/>
+                <a:tailEnd/>
+              </a14:hiddenLine>
             </a:ext>
           </a:extLst>
         </p:spPr>
@@ -5327,717 +4125,6 @@
           <a:chExt cx="0" cy="0"/>
         </a:xfrm>
       </p:grpSpPr>
-      <p:pic>
-        <p:nvPicPr>
-          <p:cNvPr id="2049" name="Picture 1" descr="C:\Users\a587002\AppData\Local\Temp\png1346191246426931684.png"/>
-          <p:cNvPicPr>
-            <a:picLocks noChangeAspect="1" noChangeArrowheads="1"/>
-          </p:cNvPicPr>
-          <p:nvPr/>
-        </p:nvPicPr>
-        <p:blipFill>
-          <a:blip r:embed="rId3">
-            <a:extLst>
-              <a:ext uri="{28A0092B-C50C-407E-A947-70E740481C1C}">
-                <a14:useLocalDpi xmlns:a14="http://schemas.microsoft.com/office/drawing/2010/main" val="0"/>
-              </a:ext>
-            </a:extLst>
-          </a:blip>
-          <a:srcRect/>
-          <a:stretch>
-            <a:fillRect/>
-          </a:stretch>
-        </p:blipFill>
-        <p:spPr bwMode="auto">
-          <a:xfrm>
-            <a:off x="4067944" y="3356992"/>
-            <a:ext cx="4896544" cy="3138534"/>
-          </a:xfrm>
-          <a:prstGeom prst="rect">
-            <a:avLst/>
-          </a:prstGeom>
-          <a:noFill/>
-          <a:extLst>
-            <a:ext uri="{909E8E84-426E-40DD-AFC4-6F175D3DCCD1}">
-              <a14:hiddenFill xmlns:a14="http://schemas.microsoft.com/office/drawing/2010/main">
-                <a:solidFill>
-                  <a:srgbClr val="FFFFFF"/>
-                </a:solidFill>
-              </a14:hiddenFill>
-            </a:ext>
-          </a:extLst>
-        </p:spPr>
-      </p:pic>
-      <p:pic>
-        <p:nvPicPr>
-          <p:cNvPr id="4" name="Picture 2"/>
-          <p:cNvPicPr>
-            <a:picLocks noChangeAspect="1" noChangeArrowheads="1"/>
-          </p:cNvPicPr>
-          <p:nvPr/>
-        </p:nvPicPr>
-        <p:blipFill>
-          <a:blip r:embed="rId4">
-            <a:extLst>
-              <a:ext uri="{28A0092B-C50C-407E-A947-70E740481C1C}">
-                <a14:useLocalDpi xmlns:a14="http://schemas.microsoft.com/office/drawing/2010/main" val="0"/>
-              </a:ext>
-            </a:extLst>
-          </a:blip>
-          <a:srcRect/>
-          <a:stretch>
-            <a:fillRect/>
-          </a:stretch>
-        </p:blipFill>
-        <p:spPr bwMode="auto">
-          <a:xfrm>
-            <a:off x="395536" y="332656"/>
-            <a:ext cx="5592060" cy="3713949"/>
-          </a:xfrm>
-          <a:prstGeom prst="rect">
-            <a:avLst/>
-          </a:prstGeom>
-          <a:noFill/>
-          <a:ln>
-            <a:noFill/>
-          </a:ln>
-          <a:extLst>
-            <a:ext uri="{909E8E84-426E-40DD-AFC4-6F175D3DCCD1}">
-              <a14:hiddenFill xmlns:a14="http://schemas.microsoft.com/office/drawing/2010/main">
-                <a:solidFill>
-                  <a:schemeClr val="accent1"/>
-                </a:solidFill>
-              </a14:hiddenFill>
-            </a:ext>
-            <a:ext uri="{91240B29-F687-4F45-9708-019B960494DF}">
-              <a14:hiddenLine xmlns:a14="http://schemas.microsoft.com/office/drawing/2010/main" w="9525">
-                <a:solidFill>
-                  <a:schemeClr val="tx1"/>
-                </a:solidFill>
-                <a:miter lim="800000"/>
-                <a:headEnd/>
-                <a:tailEnd/>
-              </a14:hiddenLine>
-            </a:ext>
-          </a:extLst>
-        </p:spPr>
-      </p:pic>
-      <p:grpSp>
-        <p:nvGrpSpPr>
-          <p:cNvPr id="25" name="Gruppieren 24"/>
-          <p:cNvGrpSpPr/>
-          <p:nvPr/>
-        </p:nvGrpSpPr>
-        <p:grpSpPr>
-          <a:xfrm>
-            <a:off x="1701960" y="1427406"/>
-            <a:ext cx="7212465" cy="5025930"/>
-            <a:chOff x="1701960" y="1427406"/>
-            <a:chExt cx="7212465" cy="5025930"/>
-          </a:xfrm>
-        </p:grpSpPr>
-        <p:sp>
-          <p:nvSpPr>
-            <p:cNvPr id="3" name="Ellipse 2"/>
-            <p:cNvSpPr/>
-            <p:nvPr/>
-          </p:nvSpPr>
-          <p:spPr>
-            <a:xfrm>
-              <a:off x="6041420" y="3405198"/>
-              <a:ext cx="1872208" cy="543201"/>
-            </a:xfrm>
-            <a:prstGeom prst="ellipse">
-              <a:avLst/>
-            </a:prstGeom>
-            <a:noFill/>
-            <a:ln w="57150">
-              <a:solidFill>
-                <a:srgbClr val="FF0000"/>
-              </a:solidFill>
-            </a:ln>
-          </p:spPr>
-          <p:style>
-            <a:lnRef idx="2">
-              <a:schemeClr val="accent1">
-                <a:shade val="50000"/>
-              </a:schemeClr>
-            </a:lnRef>
-            <a:fillRef idx="1">
-              <a:schemeClr val="accent1"/>
-            </a:fillRef>
-            <a:effectRef idx="0">
-              <a:schemeClr val="accent1"/>
-            </a:effectRef>
-            <a:fontRef idx="minor">
-              <a:schemeClr val="lt1"/>
-            </a:fontRef>
-          </p:style>
-          <p:txBody>
-            <a:bodyPr rtlCol="0" anchor="ctr"/>
-            <a:lstStyle/>
-            <a:p>
-              <a:pPr algn="ctr"/>
-              <a:endParaRPr lang="de-DE"/>
-            </a:p>
-          </p:txBody>
-        </p:sp>
-        <p:sp>
-          <p:nvSpPr>
-            <p:cNvPr id="6" name="Ellipse 5"/>
-            <p:cNvSpPr/>
-            <p:nvPr/>
-          </p:nvSpPr>
-          <p:spPr>
-            <a:xfrm>
-              <a:off x="7618281" y="5899217"/>
-              <a:ext cx="1296144" cy="554119"/>
-            </a:xfrm>
-            <a:prstGeom prst="ellipse">
-              <a:avLst/>
-            </a:prstGeom>
-            <a:noFill/>
-            <a:ln w="57150">
-              <a:solidFill>
-                <a:srgbClr val="FF0000"/>
-              </a:solidFill>
-            </a:ln>
-          </p:spPr>
-          <p:style>
-            <a:lnRef idx="2">
-              <a:schemeClr val="accent1">
-                <a:shade val="50000"/>
-              </a:schemeClr>
-            </a:lnRef>
-            <a:fillRef idx="1">
-              <a:schemeClr val="accent1"/>
-            </a:fillRef>
-            <a:effectRef idx="0">
-              <a:schemeClr val="accent1"/>
-            </a:effectRef>
-            <a:fontRef idx="minor">
-              <a:schemeClr val="lt1"/>
-            </a:fontRef>
-          </p:style>
-          <p:txBody>
-            <a:bodyPr rtlCol="0" anchor="ctr"/>
-            <a:lstStyle/>
-            <a:p>
-              <a:pPr algn="ctr"/>
-              <a:endParaRPr lang="de-DE"/>
-            </a:p>
-          </p:txBody>
-        </p:sp>
-        <p:sp>
-          <p:nvSpPr>
-            <p:cNvPr id="7" name="Ellipse 6"/>
-            <p:cNvSpPr/>
-            <p:nvPr/>
-          </p:nvSpPr>
-          <p:spPr>
-            <a:xfrm>
-              <a:off x="3412936" y="1581670"/>
-              <a:ext cx="2282017" cy="262593"/>
-            </a:xfrm>
-            <a:prstGeom prst="ellipse">
-              <a:avLst/>
-            </a:prstGeom>
-            <a:noFill/>
-            <a:ln w="57150">
-              <a:solidFill>
-                <a:srgbClr val="FF0000"/>
-              </a:solidFill>
-            </a:ln>
-          </p:spPr>
-          <p:style>
-            <a:lnRef idx="2">
-              <a:schemeClr val="accent1">
-                <a:shade val="50000"/>
-              </a:schemeClr>
-            </a:lnRef>
-            <a:fillRef idx="1">
-              <a:schemeClr val="accent1"/>
-            </a:fillRef>
-            <a:effectRef idx="0">
-              <a:schemeClr val="accent1"/>
-            </a:effectRef>
-            <a:fontRef idx="minor">
-              <a:schemeClr val="lt1"/>
-            </a:fontRef>
-          </p:style>
-          <p:txBody>
-            <a:bodyPr rtlCol="0" anchor="ctr"/>
-            <a:lstStyle/>
-            <a:p>
-              <a:pPr algn="ctr"/>
-              <a:endParaRPr lang="de-DE"/>
-            </a:p>
-          </p:txBody>
-        </p:sp>
-        <p:sp>
-          <p:nvSpPr>
-            <p:cNvPr id="8" name="Ellipse 7"/>
-            <p:cNvSpPr/>
-            <p:nvPr/>
-          </p:nvSpPr>
-          <p:spPr>
-            <a:xfrm>
-              <a:off x="1701960" y="1427406"/>
-              <a:ext cx="879816" cy="262593"/>
-            </a:xfrm>
-            <a:prstGeom prst="ellipse">
-              <a:avLst/>
-            </a:prstGeom>
-            <a:noFill/>
-            <a:ln w="57150">
-              <a:solidFill>
-                <a:srgbClr val="FF0000"/>
-              </a:solidFill>
-            </a:ln>
-          </p:spPr>
-          <p:style>
-            <a:lnRef idx="2">
-              <a:schemeClr val="accent1">
-                <a:shade val="50000"/>
-              </a:schemeClr>
-            </a:lnRef>
-            <a:fillRef idx="1">
-              <a:schemeClr val="accent1"/>
-            </a:fillRef>
-            <a:effectRef idx="0">
-              <a:schemeClr val="accent1"/>
-            </a:effectRef>
-            <a:fontRef idx="minor">
-              <a:schemeClr val="lt1"/>
-            </a:fontRef>
-          </p:style>
-          <p:txBody>
-            <a:bodyPr rtlCol="0" anchor="ctr"/>
-            <a:lstStyle/>
-            <a:p>
-              <a:pPr algn="ctr"/>
-              <a:endParaRPr lang="de-DE"/>
-            </a:p>
-          </p:txBody>
-        </p:sp>
-      </p:grpSp>
-      <p:grpSp>
-        <p:nvGrpSpPr>
-          <p:cNvPr id="26" name="Gruppieren 25"/>
-          <p:cNvGrpSpPr/>
-          <p:nvPr/>
-        </p:nvGrpSpPr>
-        <p:grpSpPr>
-          <a:xfrm>
-            <a:off x="2339439" y="1187532"/>
-            <a:ext cx="5682595" cy="4749048"/>
-            <a:chOff x="2339439" y="1187532"/>
-            <a:chExt cx="5682595" cy="4749048"/>
-          </a:xfrm>
-        </p:grpSpPr>
-        <p:sp>
-          <p:nvSpPr>
-            <p:cNvPr id="13" name="Freihandform 12"/>
-            <p:cNvSpPr/>
-            <p:nvPr/>
-          </p:nvSpPr>
-          <p:spPr>
-            <a:xfrm>
-              <a:off x="2339439" y="1187532"/>
-              <a:ext cx="534390" cy="231569"/>
-            </a:xfrm>
-            <a:custGeom>
-              <a:avLst/>
-              <a:gdLst>
-                <a:gd name="connsiteX0" fmla="*/ 0 w 534390"/>
-                <a:gd name="connsiteY0" fmla="*/ 231569 h 231569"/>
-                <a:gd name="connsiteX1" fmla="*/ 237506 w 534390"/>
-                <a:gd name="connsiteY1" fmla="*/ 89065 h 231569"/>
-                <a:gd name="connsiteX2" fmla="*/ 534390 w 534390"/>
-                <a:gd name="connsiteY2" fmla="*/ 0 h 231569"/>
-              </a:gdLst>
-              <a:ahLst/>
-              <a:cxnLst>
-                <a:cxn ang="0">
-                  <a:pos x="connsiteX0" y="connsiteY0"/>
-                </a:cxn>
-                <a:cxn ang="0">
-                  <a:pos x="connsiteX1" y="connsiteY1"/>
-                </a:cxn>
-                <a:cxn ang="0">
-                  <a:pos x="connsiteX2" y="connsiteY2"/>
-                </a:cxn>
-              </a:cxnLst>
-              <a:rect l="l" t="t" r="r" b="b"/>
-              <a:pathLst>
-                <a:path w="534390" h="231569">
-                  <a:moveTo>
-                    <a:pt x="0" y="231569"/>
-                  </a:moveTo>
-                  <a:cubicBezTo>
-                    <a:pt x="74220" y="179614"/>
-                    <a:pt x="148441" y="127660"/>
-                    <a:pt x="237506" y="89065"/>
-                  </a:cubicBezTo>
-                  <a:cubicBezTo>
-                    <a:pt x="326571" y="50470"/>
-                    <a:pt x="453242" y="12865"/>
-                    <a:pt x="534390" y="0"/>
-                  </a:cubicBezTo>
-                </a:path>
-              </a:pathLst>
-            </a:custGeom>
-            <a:noFill/>
-            <a:ln>
-              <a:solidFill>
-                <a:srgbClr val="FF0000"/>
-              </a:solidFill>
-              <a:headEnd type="none" w="med" len="med"/>
-              <a:tailEnd type="triangle" w="lg" len="lg"/>
-            </a:ln>
-          </p:spPr>
-          <p:style>
-            <a:lnRef idx="2">
-              <a:schemeClr val="accent1">
-                <a:shade val="50000"/>
-              </a:schemeClr>
-            </a:lnRef>
-            <a:fillRef idx="1">
-              <a:schemeClr val="accent1"/>
-            </a:fillRef>
-            <a:effectRef idx="0">
-              <a:schemeClr val="accent1"/>
-            </a:effectRef>
-            <a:fontRef idx="minor">
-              <a:schemeClr val="lt1"/>
-            </a:fontRef>
-          </p:style>
-          <p:txBody>
-            <a:bodyPr rtlCol="0" anchor="ctr"/>
-            <a:lstStyle/>
-            <a:p>
-              <a:pPr algn="ctr"/>
-              <a:endParaRPr lang="de-DE"/>
-            </a:p>
-          </p:txBody>
-        </p:sp>
-        <p:sp>
-          <p:nvSpPr>
-            <p:cNvPr id="14" name="Freihandform 13"/>
-            <p:cNvSpPr/>
-            <p:nvPr/>
-          </p:nvSpPr>
-          <p:spPr>
-            <a:xfrm>
-              <a:off x="3817917" y="1217221"/>
-              <a:ext cx="570015" cy="344384"/>
-            </a:xfrm>
-            <a:custGeom>
-              <a:avLst/>
-              <a:gdLst>
-                <a:gd name="connsiteX0" fmla="*/ 0 w 570015"/>
-                <a:gd name="connsiteY0" fmla="*/ 0 h 344384"/>
-                <a:gd name="connsiteX1" fmla="*/ 285008 w 570015"/>
-                <a:gd name="connsiteY1" fmla="*/ 112815 h 344384"/>
-                <a:gd name="connsiteX2" fmla="*/ 570015 w 570015"/>
-                <a:gd name="connsiteY2" fmla="*/ 344384 h 344384"/>
-              </a:gdLst>
-              <a:ahLst/>
-              <a:cxnLst>
-                <a:cxn ang="0">
-                  <a:pos x="connsiteX0" y="connsiteY0"/>
-                </a:cxn>
-                <a:cxn ang="0">
-                  <a:pos x="connsiteX1" y="connsiteY1"/>
-                </a:cxn>
-                <a:cxn ang="0">
-                  <a:pos x="connsiteX2" y="connsiteY2"/>
-                </a:cxn>
-              </a:cxnLst>
-              <a:rect l="l" t="t" r="r" b="b"/>
-              <a:pathLst>
-                <a:path w="570015" h="344384">
-                  <a:moveTo>
-                    <a:pt x="0" y="0"/>
-                  </a:moveTo>
-                  <a:cubicBezTo>
-                    <a:pt x="95003" y="27709"/>
-                    <a:pt x="190006" y="55418"/>
-                    <a:pt x="285008" y="112815"/>
-                  </a:cubicBezTo>
-                  <a:cubicBezTo>
-                    <a:pt x="380011" y="170212"/>
-                    <a:pt x="518555" y="298862"/>
-                    <a:pt x="570015" y="344384"/>
-                  </a:cubicBezTo>
-                </a:path>
-              </a:pathLst>
-            </a:custGeom>
-            <a:noFill/>
-            <a:ln>
-              <a:solidFill>
-                <a:srgbClr val="FF0000"/>
-              </a:solidFill>
-              <a:headEnd type="none" w="med" len="med"/>
-              <a:tailEnd type="triangle" w="lg" len="lg"/>
-            </a:ln>
-          </p:spPr>
-          <p:style>
-            <a:lnRef idx="2">
-              <a:schemeClr val="accent1">
-                <a:shade val="50000"/>
-              </a:schemeClr>
-            </a:lnRef>
-            <a:fillRef idx="1">
-              <a:schemeClr val="accent1"/>
-            </a:fillRef>
-            <a:effectRef idx="0">
-              <a:schemeClr val="accent1"/>
-            </a:effectRef>
-            <a:fontRef idx="minor">
-              <a:schemeClr val="lt1"/>
-            </a:fontRef>
-          </p:style>
-          <p:txBody>
-            <a:bodyPr rtlCol="0" anchor="ctr"/>
-            <a:lstStyle/>
-            <a:p>
-              <a:pPr algn="ctr"/>
-              <a:endParaRPr lang="de-DE"/>
-            </a:p>
-          </p:txBody>
-        </p:sp>
-        <p:cxnSp>
-          <p:nvCxnSpPr>
-            <p:cNvPr id="21" name="Gerade Verbindung 20"/>
-            <p:cNvCxnSpPr/>
-            <p:nvPr/>
-          </p:nvCxnSpPr>
-          <p:spPr>
-            <a:xfrm>
-              <a:off x="6994872" y="3953611"/>
-              <a:ext cx="0" cy="712879"/>
-            </a:xfrm>
-            <a:prstGeom prst="line">
-              <a:avLst/>
-            </a:prstGeom>
-            <a:noFill/>
-            <a:ln w="57150">
-              <a:solidFill>
-                <a:srgbClr val="FF0000"/>
-              </a:solidFill>
-              <a:headEnd type="none" w="med" len="med"/>
-              <a:tailEnd type="triangle" w="med" len="med"/>
-            </a:ln>
-          </p:spPr>
-          <p:style>
-            <a:lnRef idx="2">
-              <a:schemeClr val="accent1">
-                <a:shade val="50000"/>
-              </a:schemeClr>
-            </a:lnRef>
-            <a:fillRef idx="1">
-              <a:schemeClr val="accent1"/>
-            </a:fillRef>
-            <a:effectRef idx="0">
-              <a:schemeClr val="accent1"/>
-            </a:effectRef>
-            <a:fontRef idx="minor">
-              <a:schemeClr val="lt1"/>
-            </a:fontRef>
-          </p:style>
-        </p:cxnSp>
-        <p:cxnSp>
-          <p:nvCxnSpPr>
-            <p:cNvPr id="23" name="Gerade Verbindung 22"/>
-            <p:cNvCxnSpPr/>
-            <p:nvPr/>
-          </p:nvCxnSpPr>
-          <p:spPr>
-            <a:xfrm>
-              <a:off x="7229946" y="5144492"/>
-              <a:ext cx="792088" cy="792088"/>
-            </a:xfrm>
-            <a:prstGeom prst="line">
-              <a:avLst/>
-            </a:prstGeom>
-            <a:noFill/>
-            <a:ln w="57150">
-              <a:solidFill>
-                <a:srgbClr val="FF0000"/>
-              </a:solidFill>
-              <a:headEnd type="none" w="med" len="med"/>
-              <a:tailEnd type="triangle" w="med" len="med"/>
-            </a:ln>
-          </p:spPr>
-          <p:style>
-            <a:lnRef idx="2">
-              <a:schemeClr val="accent1">
-                <a:shade val="50000"/>
-              </a:schemeClr>
-            </a:lnRef>
-            <a:fillRef idx="1">
-              <a:schemeClr val="accent1"/>
-            </a:fillRef>
-            <a:effectRef idx="0">
-              <a:schemeClr val="accent1"/>
-            </a:effectRef>
-            <a:fontRef idx="minor">
-              <a:schemeClr val="lt1"/>
-            </a:fontRef>
-          </p:style>
-        </p:cxnSp>
-      </p:grpSp>
-    </p:spTree>
-    <p:extLst>
-      <p:ext uri="{BB962C8B-B14F-4D97-AF65-F5344CB8AC3E}">
-        <p14:creationId xmlns:p14="http://schemas.microsoft.com/office/powerpoint/2010/main" val="314571479"/>
-      </p:ext>
-    </p:extLst>
-  </p:cSld>
-  <p:clrMapOvr>
-    <a:masterClrMapping/>
-  </p:clrMapOvr>
-  <p:timing>
-    <p:tnLst>
-      <p:par>
-        <p:cTn id="1" dur="indefinite" restart="never" nodeType="tmRoot">
-          <p:childTnLst>
-            <p:seq concurrent="1" nextAc="seek">
-              <p:cTn id="2" dur="indefinite" nodeType="mainSeq">
-                <p:childTnLst>
-                  <p:par>
-                    <p:cTn id="3" fill="hold">
-                      <p:stCondLst>
-                        <p:cond delay="indefinite"/>
-                      </p:stCondLst>
-                      <p:childTnLst>
-                        <p:par>
-                          <p:cTn id="4" fill="hold">
-                            <p:stCondLst>
-                              <p:cond delay="0"/>
-                            </p:stCondLst>
-                            <p:childTnLst>
-                              <p:par>
-                                <p:cTn id="5" presetID="1" presetClass="entr" presetSubtype="0" fill="hold" nodeType="clickEffect">
-                                  <p:stCondLst>
-                                    <p:cond delay="0"/>
-                                  </p:stCondLst>
-                                  <p:childTnLst>
-                                    <p:set>
-                                      <p:cBhvr>
-                                        <p:cTn id="6" dur="1" fill="hold">
-                                          <p:stCondLst>
-                                            <p:cond delay="0"/>
-                                          </p:stCondLst>
-                                        </p:cTn>
-                                        <p:tgtEl>
-                                          <p:spTgt spid="25"/>
-                                        </p:tgtEl>
-                                        <p:attrNameLst>
-                                          <p:attrName>style.visibility</p:attrName>
-                                        </p:attrNameLst>
-                                      </p:cBhvr>
-                                      <p:to>
-                                        <p:strVal val="visible"/>
-                                      </p:to>
-                                    </p:set>
-                                  </p:childTnLst>
-                                </p:cTn>
-                              </p:par>
-                            </p:childTnLst>
-                          </p:cTn>
-                        </p:par>
-                      </p:childTnLst>
-                    </p:cTn>
-                  </p:par>
-                  <p:par>
-                    <p:cTn id="7" fill="hold">
-                      <p:stCondLst>
-                        <p:cond delay="indefinite"/>
-                      </p:stCondLst>
-                      <p:childTnLst>
-                        <p:par>
-                          <p:cTn id="8" fill="hold">
-                            <p:stCondLst>
-                              <p:cond delay="0"/>
-                            </p:stCondLst>
-                            <p:childTnLst>
-                              <p:par>
-                                <p:cTn id="9" presetID="1" presetClass="entr" presetSubtype="0" fill="hold" nodeType="clickEffect">
-                                  <p:stCondLst>
-                                    <p:cond delay="0"/>
-                                  </p:stCondLst>
-                                  <p:childTnLst>
-                                    <p:set>
-                                      <p:cBhvr>
-                                        <p:cTn id="10" dur="1" fill="hold">
-                                          <p:stCondLst>
-                                            <p:cond delay="0"/>
-                                          </p:stCondLst>
-                                        </p:cTn>
-                                        <p:tgtEl>
-                                          <p:spTgt spid="26"/>
-                                        </p:tgtEl>
-                                        <p:attrNameLst>
-                                          <p:attrName>style.visibility</p:attrName>
-                                        </p:attrNameLst>
-                                      </p:cBhvr>
-                                      <p:to>
-                                        <p:strVal val="visible"/>
-                                      </p:to>
-                                    </p:set>
-                                  </p:childTnLst>
-                                </p:cTn>
-                              </p:par>
-                            </p:childTnLst>
-                          </p:cTn>
-                        </p:par>
-                      </p:childTnLst>
-                    </p:cTn>
-                  </p:par>
-                </p:childTnLst>
-              </p:cTn>
-              <p:prevCondLst>
-                <p:cond evt="onPrev" delay="0">
-                  <p:tgtEl>
-                    <p:sldTgt/>
-                  </p:tgtEl>
-                </p:cond>
-              </p:prevCondLst>
-              <p:nextCondLst>
-                <p:cond evt="onNext" delay="0">
-                  <p:tgtEl>
-                    <p:sldTgt/>
-                  </p:tgtEl>
-                </p:cond>
-              </p:nextCondLst>
-            </p:seq>
-          </p:childTnLst>
-        </p:cTn>
-      </p:par>
-    </p:tnLst>
-  </p:timing>
-</p:sld>
-</file>
-
-<file path=ppt/slides/slide7.xml><?xml version="1.0" encoding="utf-8"?>
-<p:sld xmlns:a="http://schemas.openxmlformats.org/drawingml/2006/main" xmlns:r="http://schemas.openxmlformats.org/officeDocument/2006/relationships" xmlns:p="http://schemas.openxmlformats.org/presentationml/2006/main">
-  <p:cSld>
-    <p:spTree>
-      <p:nvGrpSpPr>
-        <p:cNvPr id="1" name=""/>
-        <p:cNvGrpSpPr/>
-        <p:nvPr/>
-      </p:nvGrpSpPr>
-      <p:grpSpPr>
-        <a:xfrm>
-          <a:off x="0" y="0"/>
-          <a:ext cx="0" cy="0"/>
-          <a:chOff x="0" y="0"/>
-          <a:chExt cx="0" cy="0"/>
-        </a:xfrm>
-      </p:grpSpPr>
       <p:graphicFrame>
         <p:nvGraphicFramePr>
           <p:cNvPr id="2" name="Tabelle 1"/>
@@ -6047,14 +4134,14 @@
           <p:nvPr>
             <p:extLst>
               <p:ext uri="{D42A27DB-BD31-4B8C-83A1-F6EECF244321}">
-                <p14:modId xmlns:p14="http://schemas.microsoft.com/office/powerpoint/2010/main" val="3357549073"/>
+                <p14:modId xmlns:p14="http://schemas.microsoft.com/office/powerpoint/2010/main" val="3740561359"/>
               </p:ext>
             </p:extLst>
           </p:nvPr>
         </p:nvGraphicFramePr>
         <p:xfrm>
-          <a:off x="251520" y="980728"/>
-          <a:ext cx="8640960" cy="3456384"/>
+          <a:off x="251520" y="1344535"/>
+          <a:ext cx="8640960" cy="2768990"/>
         </p:xfrm>
         <a:graphic>
           <a:graphicData uri="http://schemas.openxmlformats.org/drawingml/2006/table">
@@ -6069,7 +4156,7 @@
                 <a:gridCol w="1728192"/>
                 <a:gridCol w="1728192"/>
               </a:tblGrid>
-              <a:tr h="1728192">
+              <a:tr h="904435">
                 <a:tc>
                   <a:txBody>
                     <a:bodyPr/>
@@ -6077,7 +4164,7 @@
                     <a:p>
                       <a:pPr algn="ctr"/>
                       <a:r>
-                        <a:rPr lang="de-DE" b="0" dirty="0" smtClean="0">
+                        <a:rPr lang="de-DE" sz="1900" b="0" dirty="0" smtClean="0">
                           <a:solidFill>
                             <a:schemeClr val="tx1"/>
                           </a:solidFill>
@@ -6090,7 +4177,7 @@
                     <a:p>
                       <a:pPr algn="ctr"/>
                       <a:r>
-                        <a:rPr lang="de-DE" b="0" dirty="0" smtClean="0">
+                        <a:rPr lang="de-DE" sz="1900" b="0" dirty="0" smtClean="0">
                           <a:solidFill>
                             <a:schemeClr val="tx1"/>
                           </a:solidFill>
@@ -6099,7 +4186,7 @@
                         </a:rPr>
                         <a:t>Merkel</a:t>
                       </a:r>
-                      <a:endParaRPr lang="de-DE" b="0" dirty="0">
+                      <a:endParaRPr lang="de-DE" sz="1900" b="0" dirty="0">
                         <a:solidFill>
                           <a:schemeClr val="tx1"/>
                         </a:solidFill>
@@ -6138,17 +4225,7 @@
                     <a:lstStyle/>
                     <a:p>
                       <a:pPr algn="ctr"/>
-                      <a:r>
-                        <a:rPr lang="de-DE" b="0" dirty="0" err="1" smtClean="0">
-                          <a:solidFill>
-                            <a:schemeClr val="tx1"/>
-                          </a:solidFill>
-                          <a:latin typeface="Roboto Light" panose="02000000000000000000" pitchFamily="2" charset="0"/>
-                          <a:ea typeface="Roboto Light" panose="02000000000000000000" pitchFamily="2" charset="0"/>
-                        </a:rPr>
-                        <a:t>inOffice</a:t>
-                      </a:r>
-                      <a:endParaRPr lang="de-DE" b="0" dirty="0">
+                      <a:endParaRPr lang="de-DE" sz="1900" b="0" dirty="0">
                         <a:solidFill>
                           <a:schemeClr val="tx1"/>
                         </a:solidFill>
@@ -6170,7 +4247,36 @@
                     <a:lstStyle/>
                     <a:p>
                       <a:pPr algn="ctr"/>
-                      <a:endParaRPr lang="de-DE" b="0">
+                      <a:r>
+                        <a:rPr lang="de-DE" sz="1900" b="0" dirty="0" err="1" smtClean="0">
+                          <a:solidFill>
+                            <a:schemeClr val="tx1"/>
+                          </a:solidFill>
+                          <a:latin typeface="Roboto Light" panose="02000000000000000000" pitchFamily="2" charset="0"/>
+                          <a:ea typeface="Roboto Light" panose="02000000000000000000" pitchFamily="2" charset="0"/>
+                        </a:rPr>
+                        <a:t>head</a:t>
+                      </a:r>
+                      <a:endParaRPr lang="de-DE" sz="1900" b="0" dirty="0">
+                        <a:solidFill>
+                          <a:schemeClr val="tx1"/>
+                        </a:solidFill>
+                        <a:latin typeface="Roboto Light" panose="02000000000000000000" pitchFamily="2" charset="0"/>
+                        <a:ea typeface="Roboto Light" panose="02000000000000000000" pitchFamily="2" charset="0"/>
+                      </a:endParaRPr>
+                    </a:p>
+                  </a:txBody>
+                  <a:tcPr anchor="ctr">
+                    <a:noFill/>
+                  </a:tcPr>
+                </a:tc>
+                <a:tc>
+                  <a:txBody>
+                    <a:bodyPr/>
+                    <a:lstStyle/>
+                    <a:p>
+                      <a:pPr algn="ctr"/>
+                      <a:endParaRPr lang="de-DE" sz="1900" b="0" dirty="0">
                         <a:solidFill>
                           <a:schemeClr val="tx1"/>
                         </a:solidFill>
@@ -6190,16 +4296,127 @@
                     <a:p>
                       <a:pPr algn="ctr"/>
                       <a:r>
-                        <a:rPr lang="de-DE" b="0" dirty="0" err="1" smtClean="0">
+                        <a:rPr lang="de-DE" sz="1900" b="0" dirty="0" smtClean="0">
                           <a:solidFill>
                             <a:schemeClr val="tx1"/>
                           </a:solidFill>
                           <a:latin typeface="Roboto Light" panose="02000000000000000000" pitchFamily="2" charset="0"/>
                           <a:ea typeface="Roboto Light" panose="02000000000000000000" pitchFamily="2" charset="0"/>
                         </a:rPr>
-                        <a:t>office</a:t>
+                        <a:t>Germany</a:t>
                       </a:r>
-                      <a:endParaRPr lang="de-DE" b="0" dirty="0">
+                      <a:endParaRPr lang="de-DE" sz="1900" b="0" dirty="0">
+                        <a:solidFill>
+                          <a:schemeClr val="tx1"/>
+                        </a:solidFill>
+                        <a:latin typeface="Roboto Light" panose="02000000000000000000" pitchFamily="2" charset="0"/>
+                        <a:ea typeface="Roboto Light" panose="02000000000000000000" pitchFamily="2" charset="0"/>
+                      </a:endParaRPr>
+                    </a:p>
+                  </a:txBody>
+                  <a:tcPr anchor="ctr">
+                    <a:noFill/>
+                  </a:tcPr>
+                </a:tc>
+              </a:tr>
+              <a:tr h="904435">
+                <a:tc>
+                  <a:txBody>
+                    <a:bodyPr/>
+                    <a:lstStyle/>
+                    <a:p>
+                      <a:pPr algn="ctr"/>
+                      <a:endParaRPr lang="de-DE" sz="1900" b="0" dirty="0">
+                        <a:solidFill>
+                          <a:schemeClr val="tx1"/>
+                        </a:solidFill>
+                        <a:latin typeface="Roboto Light" panose="02000000000000000000" pitchFamily="2" charset="0"/>
+                        <a:ea typeface="Roboto Light" panose="02000000000000000000" pitchFamily="2" charset="0"/>
+                      </a:endParaRPr>
+                    </a:p>
+                  </a:txBody>
+                  <a:tcPr anchor="ctr">
+                    <a:lnL w="12700" cmpd="sng">
+                      <a:noFill/>
+                    </a:lnL>
+                    <a:lnR w="12700" cmpd="sng">
+                      <a:noFill/>
+                    </a:lnR>
+                    <a:lnT w="12700" cmpd="sng">
+                      <a:noFill/>
+                    </a:lnT>
+                    <a:lnB w="38100" cmpd="sng">
+                      <a:noFill/>
+                    </a:lnB>
+                    <a:lnTlToBr w="12700" cmpd="sng">
+                      <a:noFill/>
+                      <a:prstDash val="solid"/>
+                    </a:lnTlToBr>
+                    <a:lnBlToTr w="12700" cmpd="sng">
+                      <a:noFill/>
+                      <a:prstDash val="solid"/>
+                    </a:lnBlToTr>
+                    <a:noFill/>
+                  </a:tcPr>
+                </a:tc>
+                <a:tc>
+                  <a:txBody>
+                    <a:bodyPr/>
+                    <a:lstStyle/>
+                    <a:p>
+                      <a:pPr algn="ctr"/>
+                      <a:endParaRPr lang="de-DE" sz="1900" b="0" dirty="0">
+                        <a:solidFill>
+                          <a:schemeClr val="tx1"/>
+                        </a:solidFill>
+                        <a:latin typeface="Roboto Light" panose="02000000000000000000" pitchFamily="2" charset="0"/>
+                        <a:ea typeface="Roboto Light" panose="02000000000000000000" pitchFamily="2" charset="0"/>
+                      </a:endParaRPr>
+                    </a:p>
+                  </a:txBody>
+                  <a:tcPr anchor="ctr">
+                    <a:lnL w="12700" cmpd="sng">
+                      <a:noFill/>
+                    </a:lnL>
+                    <a:noFill/>
+                  </a:tcPr>
+                </a:tc>
+                <a:tc>
+                  <a:txBody>
+                    <a:bodyPr/>
+                    <a:lstStyle/>
+                    <a:p>
+                      <a:pPr algn="ctr"/>
+                      <a:endParaRPr lang="de-DE" sz="1900" b="0" dirty="0">
+                        <a:solidFill>
+                          <a:schemeClr val="tx1"/>
+                        </a:solidFill>
+                        <a:latin typeface="Roboto Light" panose="02000000000000000000" pitchFamily="2" charset="0"/>
+                        <a:ea typeface="Roboto Light" panose="02000000000000000000" pitchFamily="2" charset="0"/>
+                      </a:endParaRPr>
+                    </a:p>
+                  </a:txBody>
+                  <a:tcPr anchor="ctr">
+                    <a:noFill/>
+                  </a:tcPr>
+                </a:tc>
+                <a:tc>
+                  <a:txBody>
+                    <a:bodyPr/>
+                    <a:lstStyle/>
+                    <a:p>
+                      <a:pPr algn="l"/>
+                      <a:r>
+                        <a:rPr lang="de-DE" sz="1900" b="0" dirty="0" err="1" smtClean="0">
+                          <a:solidFill>
+                            <a:schemeClr val="tx1"/>
+                          </a:solidFill>
+                          <a:latin typeface="Roboto Light" panose="02000000000000000000" pitchFamily="2" charset="0"/>
+                          <a:ea typeface="Roboto Light" panose="02000000000000000000" pitchFamily="2" charset="0"/>
+                        </a:rPr>
+                        <a:t>government</a:t>
+                      </a:r>
+                      <a:endParaRPr lang="de-DE" sz="1900" b="0" dirty="0">
                         <a:solidFill>
                           <a:schemeClr val="tx1"/>
                         </a:solidFill>
@@ -6218,17 +4435,7 @@
                     <a:lstStyle/>
                     <a:p>
                       <a:pPr algn="ctr"/>
-                      <a:r>
-                        <a:rPr lang="de-DE" b="0" dirty="0" smtClean="0">
-                          <a:solidFill>
-                            <a:schemeClr val="tx1"/>
-                          </a:solidFill>
-                          <a:latin typeface="Roboto Light" panose="02000000000000000000" pitchFamily="2" charset="0"/>
-                          <a:ea typeface="Roboto Light" panose="02000000000000000000" pitchFamily="2" charset="0"/>
-                        </a:rPr>
-                        <a:t>Germany</a:t>
-                      </a:r>
-                      <a:endParaRPr lang="de-DE" b="0" dirty="0">
+                      <a:endParaRPr lang="de-DE" sz="1900" b="0" dirty="0">
                         <a:solidFill>
                           <a:schemeClr val="tx1"/>
                         </a:solidFill>
@@ -6242,7 +4449,7 @@
                   </a:tcPr>
                 </a:tc>
               </a:tr>
-              <a:tr h="1728192">
+              <a:tr h="960120">
                 <a:tc>
                   <a:txBody>
                     <a:bodyPr/>
@@ -6266,7 +4473,7 @@
                         <a:defRPr/>
                       </a:pPr>
                       <a:r>
-                        <a:rPr lang="de-DE" b="0" dirty="0" smtClean="0">
+                        <a:rPr lang="de-DE" sz="1900" b="0" dirty="0" smtClean="0">
                           <a:solidFill>
                             <a:schemeClr val="tx1"/>
                           </a:solidFill>
@@ -6290,7 +4497,7 @@
                     <a:lstStyle/>
                     <a:p>
                       <a:pPr algn="ctr"/>
-                      <a:endParaRPr lang="de-DE" b="0" dirty="0">
+                      <a:endParaRPr lang="de-DE" sz="1900" b="0" dirty="0">
                         <a:solidFill>
                           <a:schemeClr val="tx1"/>
                         </a:solidFill>
@@ -6310,7 +4517,7 @@
                     <a:p>
                       <a:pPr algn="ctr"/>
                       <a:r>
-                        <a:rPr lang="de-DE" b="0" dirty="0" err="1" smtClean="0">
+                        <a:rPr lang="de-DE" sz="1900" b="0" dirty="0" err="1" smtClean="0">
                           <a:solidFill>
                             <a:schemeClr val="tx1"/>
                           </a:solidFill>
@@ -6319,7 +4526,7 @@
                         </a:rPr>
                         <a:t>Chancellor</a:t>
                       </a:r>
-                      <a:endParaRPr lang="de-DE" b="0" dirty="0">
+                      <a:endParaRPr lang="de-DE" sz="1900" b="0" dirty="0">
                         <a:solidFill>
                           <a:schemeClr val="tx1"/>
                         </a:solidFill>
@@ -6338,7 +4545,7 @@
                     <a:lstStyle/>
                     <a:p>
                       <a:pPr algn="ctr"/>
-                      <a:endParaRPr lang="de-DE" b="0" dirty="0">
+                      <a:endParaRPr lang="de-DE" sz="1900" b="0" dirty="0">
                         <a:solidFill>
                           <a:schemeClr val="tx1"/>
                         </a:solidFill>
@@ -6358,7 +4565,7 @@
                     <a:p>
                       <a:pPr algn="ctr"/>
                       <a:r>
-                        <a:rPr lang="de-DE" b="0" dirty="0" smtClean="0">
+                        <a:rPr lang="de-DE" sz="1900" b="0" dirty="0" smtClean="0">
                           <a:solidFill>
                             <a:schemeClr val="tx1"/>
                           </a:solidFill>
@@ -6367,7 +4574,7 @@
                         </a:rPr>
                         <a:t>Germany</a:t>
                       </a:r>
-                      <a:endParaRPr lang="de-DE" b="0" dirty="0">
+                      <a:endParaRPr lang="de-DE" sz="1900" b="0" dirty="0">
                         <a:solidFill>
                           <a:schemeClr val="tx1"/>
                         </a:solidFill>
@@ -6387,133 +4594,13 @@
       </p:graphicFrame>
       <p:cxnSp>
         <p:nvCxnSpPr>
-          <p:cNvPr id="3" name="Gerade Verbindung 2"/>
-          <p:cNvCxnSpPr/>
-          <p:nvPr/>
-        </p:nvCxnSpPr>
-        <p:spPr>
-          <a:xfrm>
-            <a:off x="1763688" y="1858472"/>
-            <a:ext cx="504056" cy="0"/>
-          </a:xfrm>
-          <a:prstGeom prst="line">
-            <a:avLst/>
-          </a:prstGeom>
-          <a:noFill/>
-          <a:ln w="57150">
-            <a:solidFill>
-              <a:srgbClr val="FF0000"/>
-            </a:solidFill>
-            <a:headEnd type="none" w="med" len="med"/>
-            <a:tailEnd type="triangle" w="med" len="med"/>
-          </a:ln>
-        </p:spPr>
-        <p:style>
-          <a:lnRef idx="2">
-            <a:schemeClr val="accent1">
-              <a:shade val="50000"/>
-            </a:schemeClr>
-          </a:lnRef>
-          <a:fillRef idx="1">
-            <a:schemeClr val="accent1"/>
-          </a:fillRef>
-          <a:effectRef idx="0">
-            <a:schemeClr val="accent1"/>
-          </a:effectRef>
-          <a:fontRef idx="minor">
-            <a:schemeClr val="lt1"/>
-          </a:fontRef>
-        </p:style>
-      </p:cxnSp>
-      <p:cxnSp>
-        <p:nvCxnSpPr>
-          <p:cNvPr id="10" name="Gerade Verbindung 9"/>
-          <p:cNvCxnSpPr/>
-          <p:nvPr/>
-        </p:nvCxnSpPr>
-        <p:spPr>
-          <a:xfrm>
-            <a:off x="3463670" y="1858472"/>
-            <a:ext cx="2316126" cy="0"/>
-          </a:xfrm>
-          <a:prstGeom prst="line">
-            <a:avLst/>
-          </a:prstGeom>
-          <a:noFill/>
-          <a:ln w="57150">
-            <a:solidFill>
-              <a:srgbClr val="FF0000"/>
-            </a:solidFill>
-            <a:headEnd type="none" w="med" len="med"/>
-            <a:tailEnd type="triangle" w="med" len="med"/>
-          </a:ln>
-        </p:spPr>
-        <p:style>
-          <a:lnRef idx="2">
-            <a:schemeClr val="accent1">
-              <a:shade val="50000"/>
-            </a:schemeClr>
-          </a:lnRef>
-          <a:fillRef idx="1">
-            <a:schemeClr val="accent1"/>
-          </a:fillRef>
-          <a:effectRef idx="0">
-            <a:schemeClr val="accent1"/>
-          </a:effectRef>
-          <a:fontRef idx="minor">
-            <a:schemeClr val="lt1"/>
-          </a:fontRef>
-        </p:style>
-      </p:cxnSp>
-      <p:cxnSp>
-        <p:nvCxnSpPr>
-          <p:cNvPr id="11" name="Gerade Verbindung 10"/>
-          <p:cNvCxnSpPr/>
-          <p:nvPr/>
-        </p:nvCxnSpPr>
-        <p:spPr>
-          <a:xfrm>
-            <a:off x="6754125" y="1858472"/>
-            <a:ext cx="670899" cy="0"/>
-          </a:xfrm>
-          <a:prstGeom prst="line">
-            <a:avLst/>
-          </a:prstGeom>
-          <a:noFill/>
-          <a:ln w="57150">
-            <a:solidFill>
-              <a:srgbClr val="FF0000"/>
-            </a:solidFill>
-            <a:headEnd type="none" w="med" len="med"/>
-            <a:tailEnd type="triangle" w="med" len="med"/>
-          </a:ln>
-        </p:spPr>
-        <p:style>
-          <a:lnRef idx="2">
-            <a:schemeClr val="accent1">
-              <a:shade val="50000"/>
-            </a:schemeClr>
-          </a:lnRef>
-          <a:fillRef idx="1">
-            <a:schemeClr val="accent1"/>
-          </a:fillRef>
-          <a:effectRef idx="0">
-            <a:schemeClr val="accent1"/>
-          </a:effectRef>
-          <a:fontRef idx="minor">
-            <a:schemeClr val="lt1"/>
-          </a:fontRef>
-        </p:style>
-      </p:cxnSp>
-      <p:cxnSp>
-        <p:nvCxnSpPr>
           <p:cNvPr id="12" name="Gerade Verbindung 11"/>
           <p:cNvCxnSpPr/>
           <p:nvPr/>
         </p:nvCxnSpPr>
         <p:spPr>
           <a:xfrm flipH="1">
-            <a:off x="5272537" y="3586664"/>
+            <a:off x="5272541" y="3654904"/>
             <a:ext cx="2105569" cy="0"/>
           </a:xfrm>
           <a:prstGeom prst="line">
@@ -6553,7 +4640,7 @@
         </p:nvCxnSpPr>
         <p:spPr>
           <a:xfrm flipH="1">
-            <a:off x="1746351" y="3586664"/>
+            <a:off x="1746355" y="3654904"/>
             <a:ext cx="2105569" cy="0"/>
           </a:xfrm>
           <a:prstGeom prst="line">
@@ -6624,7 +4711,7 @@
         </p:nvCxnSpPr>
         <p:spPr>
           <a:xfrm>
-            <a:off x="8028384" y="2076358"/>
+            <a:off x="8028384" y="2076359"/>
             <a:ext cx="0" cy="1265124"/>
           </a:xfrm>
           <a:prstGeom prst="line">
@@ -6655,44 +4742,8 @@
         </p:nvCxnSpPr>
         <p:spPr>
           <a:xfrm>
-            <a:off x="2915816" y="2132856"/>
-            <a:ext cx="1296144" cy="1132685"/>
-          </a:xfrm>
-          <a:prstGeom prst="line">
-            <a:avLst/>
-          </a:prstGeom>
-          <a:ln w="57150">
-            <a:solidFill>
-              <a:srgbClr val="92D050"/>
-            </a:solidFill>
-            <a:prstDash val="sysDash"/>
-          </a:ln>
-        </p:spPr>
-        <p:style>
-          <a:lnRef idx="1">
-            <a:schemeClr val="accent1"/>
-          </a:lnRef>
-          <a:fillRef idx="0">
-            <a:schemeClr val="accent1"/>
-          </a:fillRef>
-          <a:effectRef idx="0">
-            <a:schemeClr val="accent1"/>
-          </a:effectRef>
-          <a:fontRef idx="minor">
-            <a:schemeClr val="tx1"/>
-          </a:fontRef>
-        </p:style>
-      </p:cxnSp>
-      <p:cxnSp>
-        <p:nvCxnSpPr>
-          <p:cNvPr id="19" name="Gerade Verbindung 18"/>
-          <p:cNvCxnSpPr/>
-          <p:nvPr/>
-        </p:nvCxnSpPr>
-        <p:spPr>
-          <a:xfrm flipH="1">
-            <a:off x="5004048" y="2132856"/>
-            <a:ext cx="1296144" cy="1132685"/>
+            <a:off x="4599296" y="2132856"/>
+            <a:ext cx="0" cy="1296144"/>
           </a:xfrm>
           <a:prstGeom prst="line">
             <a:avLst/>
@@ -6865,8 +4916,8 @@
         </p:nvSpPr>
         <p:spPr>
           <a:xfrm>
-            <a:off x="1259632" y="4797152"/>
-            <a:ext cx="4209807" cy="369332"/>
+            <a:off x="1259636" y="4797152"/>
+            <a:ext cx="4195379" cy="369332"/>
           </a:xfrm>
           <a:prstGeom prst="rect">
             <a:avLst/>
@@ -6936,7 +4987,7 @@
         </p:nvSpPr>
         <p:spPr>
           <a:xfrm>
-            <a:off x="1259632" y="5219908"/>
+            <a:off x="1259636" y="5219908"/>
             <a:ext cx="4485523" cy="369332"/>
           </a:xfrm>
           <a:prstGeom prst="rect">
@@ -7021,8 +5072,8 @@
         </p:nvSpPr>
         <p:spPr>
           <a:xfrm>
-            <a:off x="1259632" y="5661248"/>
-            <a:ext cx="5469767" cy="369332"/>
+            <a:off x="1259636" y="5661248"/>
+            <a:ext cx="5492209" cy="369332"/>
           </a:xfrm>
           <a:prstGeom prst="rect">
             <a:avLst/>
@@ -7123,6 +5174,253 @@
               <a:latin typeface="Roboto Light" panose="02000000000000000000" pitchFamily="2" charset="0"/>
               <a:ea typeface="Roboto Light" panose="02000000000000000000" pitchFamily="2" charset="0"/>
             </a:endParaRPr>
+          </a:p>
+        </p:txBody>
+      </p:sp>
+      <p:cxnSp>
+        <p:nvCxnSpPr>
+          <p:cNvPr id="25" name="Gerade Verbindung 24"/>
+          <p:cNvCxnSpPr/>
+          <p:nvPr/>
+        </p:nvCxnSpPr>
+        <p:spPr>
+          <a:xfrm flipH="1">
+            <a:off x="5004048" y="1813760"/>
+            <a:ext cx="2391396" cy="0"/>
+          </a:xfrm>
+          <a:prstGeom prst="line">
+            <a:avLst/>
+          </a:prstGeom>
+          <a:noFill/>
+          <a:ln w="57150">
+            <a:solidFill>
+              <a:srgbClr val="FF0000"/>
+            </a:solidFill>
+            <a:headEnd type="none" w="med" len="med"/>
+            <a:tailEnd type="triangle" w="med" len="med"/>
+          </a:ln>
+        </p:spPr>
+        <p:style>
+          <a:lnRef idx="2">
+            <a:schemeClr val="accent1">
+              <a:shade val="50000"/>
+            </a:schemeClr>
+          </a:lnRef>
+          <a:fillRef idx="1">
+            <a:schemeClr val="accent1"/>
+          </a:fillRef>
+          <a:effectRef idx="0">
+            <a:schemeClr val="accent1"/>
+          </a:effectRef>
+          <a:fontRef idx="minor">
+            <a:schemeClr val="lt1"/>
+          </a:fontRef>
+        </p:style>
+      </p:cxnSp>
+      <p:cxnSp>
+        <p:nvCxnSpPr>
+          <p:cNvPr id="27" name="Gerade Verbindung 26"/>
+          <p:cNvCxnSpPr/>
+          <p:nvPr/>
+        </p:nvCxnSpPr>
+        <p:spPr>
+          <a:xfrm flipH="1">
+            <a:off x="1763689" y="1813760"/>
+            <a:ext cx="2376263" cy="0"/>
+          </a:xfrm>
+          <a:prstGeom prst="line">
+            <a:avLst/>
+          </a:prstGeom>
+          <a:noFill/>
+          <a:ln w="57150">
+            <a:solidFill>
+              <a:srgbClr val="FF0000"/>
+            </a:solidFill>
+            <a:headEnd type="none" w="med" len="med"/>
+            <a:tailEnd type="triangle" w="med" len="med"/>
+          </a:ln>
+        </p:spPr>
+        <p:style>
+          <a:lnRef idx="2">
+            <a:schemeClr val="accent1">
+              <a:shade val="50000"/>
+            </a:schemeClr>
+          </a:lnRef>
+          <a:fillRef idx="1">
+            <a:schemeClr val="accent1"/>
+          </a:fillRef>
+          <a:effectRef idx="0">
+            <a:schemeClr val="accent1"/>
+          </a:effectRef>
+          <a:fontRef idx="minor">
+            <a:schemeClr val="lt1"/>
+          </a:fontRef>
+        </p:style>
+      </p:cxnSp>
+      <p:sp>
+        <p:nvSpPr>
+          <p:cNvPr id="33" name="Rechteck 32"/>
+          <p:cNvSpPr/>
+          <p:nvPr/>
+        </p:nvSpPr>
+        <p:spPr>
+          <a:xfrm>
+            <a:off x="5436096" y="2420888"/>
+            <a:ext cx="1584176" cy="576064"/>
+          </a:xfrm>
+          <a:prstGeom prst="rect">
+            <a:avLst/>
+          </a:prstGeom>
+          <a:solidFill>
+            <a:schemeClr val="bg1"/>
+          </a:solidFill>
+          <a:ln>
+            <a:noFill/>
+          </a:ln>
+        </p:spPr>
+        <p:style>
+          <a:lnRef idx="2">
+            <a:schemeClr val="accent1">
+              <a:shade val="50000"/>
+            </a:schemeClr>
+          </a:lnRef>
+          <a:fillRef idx="1">
+            <a:schemeClr val="accent1"/>
+          </a:fillRef>
+          <a:effectRef idx="0">
+            <a:schemeClr val="accent1"/>
+          </a:effectRef>
+          <a:fontRef idx="minor">
+            <a:schemeClr val="lt1"/>
+          </a:fontRef>
+        </p:style>
+        <p:txBody>
+          <a:bodyPr rtlCol="0" anchor="ctr"/>
+          <a:lstStyle/>
+          <a:p>
+            <a:pPr algn="ctr"/>
+            <a:endParaRPr lang="de-DE"/>
+          </a:p>
+        </p:txBody>
+      </p:sp>
+      <p:cxnSp>
+        <p:nvCxnSpPr>
+          <p:cNvPr id="28" name="Gerade Verbindung 27"/>
+          <p:cNvCxnSpPr/>
+          <p:nvPr/>
+        </p:nvCxnSpPr>
+        <p:spPr>
+          <a:xfrm>
+            <a:off x="4860032" y="2060848"/>
+            <a:ext cx="1152128" cy="432048"/>
+          </a:xfrm>
+          <a:prstGeom prst="line">
+            <a:avLst/>
+          </a:prstGeom>
+          <a:ln w="57150">
+            <a:solidFill>
+              <a:srgbClr val="92D050"/>
+            </a:solidFill>
+            <a:headEnd type="triangle" w="med" len="med"/>
+            <a:tailEnd type="none" w="med" len="med"/>
+          </a:ln>
+        </p:spPr>
+        <p:style>
+          <a:lnRef idx="1">
+            <a:schemeClr val="accent1"/>
+          </a:lnRef>
+          <a:fillRef idx="0">
+            <a:schemeClr val="accent1"/>
+          </a:fillRef>
+          <a:effectRef idx="0">
+            <a:schemeClr val="accent1"/>
+          </a:effectRef>
+          <a:fontRef idx="minor">
+            <a:schemeClr val="tx1"/>
+          </a:fontRef>
+        </p:style>
+      </p:cxnSp>
+      <p:cxnSp>
+        <p:nvCxnSpPr>
+          <p:cNvPr id="29" name="Gerade Verbindung 28"/>
+          <p:cNvCxnSpPr/>
+          <p:nvPr/>
+        </p:nvCxnSpPr>
+        <p:spPr>
+          <a:xfrm flipV="1">
+            <a:off x="4860032" y="2996952"/>
+            <a:ext cx="1152128" cy="432048"/>
+          </a:xfrm>
+          <a:prstGeom prst="line">
+            <a:avLst/>
+          </a:prstGeom>
+          <a:ln w="57150">
+            <a:solidFill>
+              <a:srgbClr val="92D050"/>
+            </a:solidFill>
+            <a:prstDash val="sysDash"/>
+            <a:headEnd type="triangle" w="med" len="med"/>
+            <a:tailEnd type="none" w="med" len="med"/>
+          </a:ln>
+        </p:spPr>
+        <p:style>
+          <a:lnRef idx="1">
+            <a:schemeClr val="accent1"/>
+          </a:lnRef>
+          <a:fillRef idx="0">
+            <a:schemeClr val="accent1"/>
+          </a:fillRef>
+          <a:effectRef idx="0">
+            <a:schemeClr val="accent1"/>
+          </a:effectRef>
+          <a:fontRef idx="minor">
+            <a:schemeClr val="tx1"/>
+          </a:fontRef>
+        </p:style>
+      </p:cxnSp>
+      <p:sp>
+        <p:nvSpPr>
+          <p:cNvPr id="34" name="Rechteck 33"/>
+          <p:cNvSpPr/>
+          <p:nvPr/>
+        </p:nvSpPr>
+        <p:spPr>
+          <a:xfrm>
+            <a:off x="4283968" y="2060848"/>
+            <a:ext cx="504056" cy="1368152"/>
+          </a:xfrm>
+          <a:prstGeom prst="rect">
+            <a:avLst/>
+          </a:prstGeom>
+          <a:solidFill>
+            <a:schemeClr val="bg1"/>
+          </a:solidFill>
+          <a:ln>
+            <a:noFill/>
+          </a:ln>
+        </p:spPr>
+        <p:style>
+          <a:lnRef idx="2">
+            <a:schemeClr val="accent1">
+              <a:shade val="50000"/>
+            </a:schemeClr>
+          </a:lnRef>
+          <a:fillRef idx="1">
+            <a:schemeClr val="accent1"/>
+          </a:fillRef>
+          <a:effectRef idx="0">
+            <a:schemeClr val="accent1"/>
+          </a:effectRef>
+          <a:fontRef idx="minor">
+            <a:schemeClr val="lt1"/>
+          </a:fontRef>
+        </p:style>
+        <p:txBody>
+          <a:bodyPr rtlCol="0" anchor="ctr"/>
+          <a:lstStyle/>
+          <a:p>
+            <a:pPr algn="ctr"/>
+            <a:endParaRPr lang="de-DE"/>
           </a:p>
         </p:txBody>
       </p:sp>
@@ -7296,7 +5594,7 @@
                                           </p:stCondLst>
                                         </p:cTn>
                                         <p:tgtEl>
-                                          <p:spTgt spid="3"/>
+                                          <p:spTgt spid="27"/>
                                         </p:tgtEl>
                                         <p:attrNameLst>
                                           <p:attrName>style.visibility</p:attrName>
@@ -7323,7 +5621,7 @@
                                           </p:stCondLst>
                                         </p:cTn>
                                         <p:tgtEl>
-                                          <p:spTgt spid="10"/>
+                                          <p:spTgt spid="25"/>
                                         </p:tgtEl>
                                         <p:attrNameLst>
                                           <p:attrName>style.visibility</p:attrName>
@@ -7350,7 +5648,7 @@
                                           </p:stCondLst>
                                         </p:cTn>
                                         <p:tgtEl>
-                                          <p:spTgt spid="11"/>
+                                          <p:spTgt spid="12"/>
                                         </p:tgtEl>
                                         <p:attrNameLst>
                                           <p:attrName>style.visibility</p:attrName>
@@ -7391,7 +5689,7 @@
                                 </p:cTn>
                               </p:par>
                               <p:par>
-                                <p:cTn id="23" presetID="1" presetClass="entr" presetSubtype="0" fill="hold" nodeType="withEffect">
+                                <p:cTn id="23" presetID="1" presetClass="entr" presetSubtype="0" fill="hold" grpId="0" nodeType="withEffect">
                                   <p:stCondLst>
                                     <p:cond delay="0"/>
                                   </p:stCondLst>
@@ -7404,7 +5702,7 @@
                                           </p:stCondLst>
                                         </p:cTn>
                                         <p:tgtEl>
-                                          <p:spTgt spid="12"/>
+                                          <p:spTgt spid="21"/>
                                         </p:tgtEl>
                                         <p:attrNameLst>
                                           <p:attrName>style.visibility</p:attrName>
@@ -7431,33 +5729,6 @@
                                           </p:stCondLst>
                                         </p:cTn>
                                         <p:tgtEl>
-                                          <p:spTgt spid="21"/>
-                                        </p:tgtEl>
-                                        <p:attrNameLst>
-                                          <p:attrName>style.visibility</p:attrName>
-                                        </p:attrNameLst>
-                                      </p:cBhvr>
-                                      <p:to>
-                                        <p:strVal val="visible"/>
-                                      </p:to>
-                                    </p:set>
-                                  </p:childTnLst>
-                                </p:cTn>
-                              </p:par>
-                              <p:par>
-                                <p:cTn id="27" presetID="1" presetClass="entr" presetSubtype="0" fill="hold" grpId="0" nodeType="withEffect">
-                                  <p:stCondLst>
-                                    <p:cond delay="0"/>
-                                  </p:stCondLst>
-                                  <p:childTnLst>
-                                    <p:set>
-                                      <p:cBhvr>
-                                        <p:cTn id="28" dur="1" fill="hold">
-                                          <p:stCondLst>
-                                            <p:cond delay="0"/>
-                                          </p:stCondLst>
-                                        </p:cTn>
-                                        <p:tgtEl>
                                           <p:spTgt spid="24"/>
                                         </p:tgtEl>
                                         <p:attrNameLst>
@@ -7478,19 +5749,46 @@
                     </p:cTn>
                   </p:par>
                   <p:par>
-                    <p:cTn id="29" fill="hold">
+                    <p:cTn id="27" fill="hold">
                       <p:stCondLst>
                         <p:cond delay="indefinite"/>
                       </p:stCondLst>
                       <p:childTnLst>
                         <p:par>
-                          <p:cTn id="30" fill="hold">
+                          <p:cTn id="28" fill="hold">
                             <p:stCondLst>
                               <p:cond delay="0"/>
                             </p:stCondLst>
                             <p:childTnLst>
                               <p:par>
-                                <p:cTn id="31" presetID="1" presetClass="entr" presetSubtype="0" fill="hold" nodeType="clickEffect">
+                                <p:cTn id="29" presetID="1" presetClass="exit" presetSubtype="0" fill="hold" grpId="0" nodeType="clickEffect">
+                                  <p:stCondLst>
+                                    <p:cond delay="0"/>
+                                  </p:stCondLst>
+                                  <p:childTnLst>
+                                    <p:set>
+                                      <p:cBhvr>
+                                        <p:cTn id="30" dur="1" fill="hold">
+                                          <p:stCondLst>
+                                            <p:cond delay="0"/>
+                                          </p:stCondLst>
+                                        </p:cTn>
+                                        <p:tgtEl>
+                                          <p:spTgt spid="34"/>
+                                        </p:tgtEl>
+                                        <p:attrNameLst>
+                                          <p:attrName>style.visibility</p:attrName>
+                                        </p:attrNameLst>
+                                      </p:cBhvr>
+                                      <p:to>
+                                        <p:strVal val="hidden"/>
+                                      </p:to>
+                                    </p:set>
+                                  </p:childTnLst>
+                                </p:cTn>
+                              </p:par>
+                              <p:par>
+                                <p:cTn id="31" presetID="1" presetClass="entr" presetSubtype="0" fill="hold" grpId="0" nodeType="withEffect">
                                   <p:stCondLst>
                                     <p:cond delay="0"/>
                                   </p:stCondLst>
@@ -7498,60 +5796,6 @@
                                     <p:set>
                                       <p:cBhvr>
                                         <p:cTn id="32" dur="1" fill="hold">
-                                          <p:stCondLst>
-                                            <p:cond delay="0"/>
-                                          </p:stCondLst>
-                                        </p:cTn>
-                                        <p:tgtEl>
-                                          <p:spTgt spid="17"/>
-                                        </p:tgtEl>
-                                        <p:attrNameLst>
-                                          <p:attrName>style.visibility</p:attrName>
-                                        </p:attrNameLst>
-                                      </p:cBhvr>
-                                      <p:to>
-                                        <p:strVal val="visible"/>
-                                      </p:to>
-                                    </p:set>
-                                  </p:childTnLst>
-                                </p:cTn>
-                              </p:par>
-                              <p:par>
-                                <p:cTn id="33" presetID="1" presetClass="entr" presetSubtype="0" fill="hold" nodeType="withEffect">
-                                  <p:stCondLst>
-                                    <p:cond delay="0"/>
-                                  </p:stCondLst>
-                                  <p:childTnLst>
-                                    <p:set>
-                                      <p:cBhvr>
-                                        <p:cTn id="34" dur="1" fill="hold">
-                                          <p:stCondLst>
-                                            <p:cond delay="0"/>
-                                          </p:stCondLst>
-                                        </p:cTn>
-                                        <p:tgtEl>
-                                          <p:spTgt spid="19"/>
-                                        </p:tgtEl>
-                                        <p:attrNameLst>
-                                          <p:attrName>style.visibility</p:attrName>
-                                        </p:attrNameLst>
-                                      </p:cBhvr>
-                                      <p:to>
-                                        <p:strVal val="visible"/>
-                                      </p:to>
-                                    </p:set>
-                                  </p:childTnLst>
-                                </p:cTn>
-                              </p:par>
-                              <p:par>
-                                <p:cTn id="35" presetID="1" presetClass="entr" presetSubtype="0" fill="hold" grpId="0" nodeType="withEffect">
-                                  <p:stCondLst>
-                                    <p:cond delay="0"/>
-                                  </p:stCondLst>
-                                  <p:childTnLst>
-                                    <p:set>
-                                      <p:cBhvr>
-                                        <p:cTn id="36" dur="1" fill="hold">
                                           <p:stCondLst>
                                             <p:cond delay="0"/>
                                           </p:stCondLst>
@@ -7571,7 +5815,52 @@
                                 </p:cTn>
                               </p:par>
                               <p:par>
-                                <p:cTn id="37" presetID="1" presetClass="entr" presetSubtype="0" fill="hold" grpId="0" nodeType="withEffect">
+                                <p:cTn id="33" presetID="1" presetClass="entr" presetSubtype="0" fill="hold" grpId="0" nodeType="withEffect">
+                                  <p:stCondLst>
+                                    <p:cond delay="0"/>
+                                  </p:stCondLst>
+                                  <p:childTnLst>
+                                    <p:set>
+                                      <p:cBhvr>
+                                        <p:cTn id="34" dur="1" fill="hold">
+                                          <p:stCondLst>
+                                            <p:cond delay="0"/>
+                                          </p:stCondLst>
+                                        </p:cTn>
+                                        <p:tgtEl>
+                                          <p:spTgt spid="26"/>
+                                        </p:tgtEl>
+                                        <p:attrNameLst>
+                                          <p:attrName>style.visibility</p:attrName>
+                                        </p:attrNameLst>
+                                      </p:cBhvr>
+                                      <p:to>
+                                        <p:strVal val="visible"/>
+                                      </p:to>
+                                    </p:set>
+                                  </p:childTnLst>
+                                </p:cTn>
+                              </p:par>
+                            </p:childTnLst>
+                          </p:cTn>
+                        </p:par>
+                      </p:childTnLst>
+                    </p:cTn>
+                  </p:par>
+                  <p:par>
+                    <p:cTn id="35" fill="hold">
+                      <p:stCondLst>
+                        <p:cond delay="indefinite"/>
+                      </p:stCondLst>
+                      <p:childTnLst>
+                        <p:par>
+                          <p:cTn id="36" fill="hold">
+                            <p:stCondLst>
+                              <p:cond delay="0"/>
+                            </p:stCondLst>
+                            <p:childTnLst>
+                              <p:par>
+                                <p:cTn id="37" presetID="1" presetClass="exit" presetSubtype="0" fill="hold" grpId="0" nodeType="clickEffect">
                                   <p:stCondLst>
                                     <p:cond delay="0"/>
                                   </p:stCondLst>
@@ -7584,7 +5873,142 @@
                                           </p:stCondLst>
                                         </p:cTn>
                                         <p:tgtEl>
-                                          <p:spTgt spid="26"/>
+                                          <p:spTgt spid="33"/>
+                                        </p:tgtEl>
+                                        <p:attrNameLst>
+                                          <p:attrName>style.visibility</p:attrName>
+                                        </p:attrNameLst>
+                                      </p:cBhvr>
+                                      <p:to>
+                                        <p:strVal val="hidden"/>
+                                      </p:to>
+                                    </p:set>
+                                  </p:childTnLst>
+                                </p:cTn>
+                              </p:par>
+                            </p:childTnLst>
+                          </p:cTn>
+                        </p:par>
+                        <p:par>
+                          <p:cTn id="39" fill="hold">
+                            <p:stCondLst>
+                              <p:cond delay="0"/>
+                            </p:stCondLst>
+                            <p:childTnLst>
+                              <p:par>
+                                <p:cTn id="40" presetID="1" presetClass="exit" presetSubtype="0" fill="hold" nodeType="afterEffect">
+                                  <p:stCondLst>
+                                    <p:cond delay="0"/>
+                                  </p:stCondLst>
+                                  <p:childTnLst>
+                                    <p:set>
+                                      <p:cBhvr>
+                                        <p:cTn id="41" dur="1" fill="hold">
+                                          <p:stCondLst>
+                                            <p:cond delay="0"/>
+                                          </p:stCondLst>
+                                        </p:cTn>
+                                        <p:tgtEl>
+                                          <p:spTgt spid="17"/>
+                                        </p:tgtEl>
+                                        <p:attrNameLst>
+                                          <p:attrName>style.visibility</p:attrName>
+                                        </p:attrNameLst>
+                                      </p:cBhvr>
+                                      <p:to>
+                                        <p:strVal val="hidden"/>
+                                      </p:to>
+                                    </p:set>
+                                  </p:childTnLst>
+                                </p:cTn>
+                              </p:par>
+                              <p:par>
+                                <p:cTn id="42" presetID="1" presetClass="entr" presetSubtype="0" fill="hold" nodeType="withEffect">
+                                  <p:stCondLst>
+                                    <p:cond delay="0"/>
+                                  </p:stCondLst>
+                                  <p:childTnLst>
+                                    <p:set>
+                                      <p:cBhvr>
+                                        <p:cTn id="43" dur="1" fill="hold">
+                                          <p:stCondLst>
+                                            <p:cond delay="0"/>
+                                          </p:stCondLst>
+                                        </p:cTn>
+                                        <p:tgtEl>
+                                          <p:spTgt spid="28"/>
+                                        </p:tgtEl>
+                                        <p:attrNameLst>
+                                          <p:attrName>style.visibility</p:attrName>
+                                        </p:attrNameLst>
+                                      </p:cBhvr>
+                                      <p:to>
+                                        <p:strVal val="visible"/>
+                                      </p:to>
+                                    </p:set>
+                                  </p:childTnLst>
+                                </p:cTn>
+                              </p:par>
+                            </p:childTnLst>
+                          </p:cTn>
+                        </p:par>
+                      </p:childTnLst>
+                    </p:cTn>
+                  </p:par>
+                  <p:par>
+                    <p:cTn id="44" fill="hold">
+                      <p:stCondLst>
+                        <p:cond delay="indefinite"/>
+                      </p:stCondLst>
+                      <p:childTnLst>
+                        <p:par>
+                          <p:cTn id="45" fill="hold">
+                            <p:stCondLst>
+                              <p:cond delay="0"/>
+                            </p:stCondLst>
+                            <p:childTnLst>
+                              <p:par>
+                                <p:cTn id="46" presetID="1" presetClass="entr" presetSubtype="0" fill="hold" nodeType="clickEffect">
+                                  <p:stCondLst>
+                                    <p:cond delay="0"/>
+                                  </p:stCondLst>
+                                  <p:childTnLst>
+                                    <p:set>
+                                      <p:cBhvr>
+                                        <p:cTn id="47" dur="1" fill="hold">
+                                          <p:stCondLst>
+                                            <p:cond delay="0"/>
+                                          </p:stCondLst>
+                                        </p:cTn>
+                                        <p:tgtEl>
+                                          <p:spTgt spid="29"/>
+                                        </p:tgtEl>
+                                        <p:attrNameLst>
+                                          <p:attrName>style.visibility</p:attrName>
+                                        </p:attrNameLst>
+                                      </p:cBhvr>
+                                      <p:to>
+                                        <p:strVal val="visible"/>
+                                      </p:to>
+                                    </p:set>
+                                  </p:childTnLst>
+                                </p:cTn>
+                              </p:par>
+                              <p:par>
+                                <p:cTn id="48" presetID="1" presetClass="entr" presetSubtype="0" fill="hold" nodeType="withEffect">
+                                  <p:stCondLst>
+                                    <p:cond delay="0"/>
+                                  </p:stCondLst>
+                                  <p:childTnLst>
+                                    <p:set>
+                                      <p:cBhvr>
+                                        <p:cTn id="49" dur="1" fill="hold">
+                                          <p:stCondLst>
+                                            <p:cond delay="0"/>
+                                          </p:stCondLst>
+                                        </p:cTn>
+                                        <p:tgtEl>
+                                          <p:spTgt spid="17"/>
                                         </p:tgtEl>
                                         <p:attrNameLst>
                                           <p:attrName>style.visibility</p:attrName>
@@ -7631,12 +6055,14 @@
       <p:bldP spid="23" grpId="0"/>
       <p:bldP spid="24" grpId="0"/>
       <p:bldP spid="26" grpId="0"/>
+      <p:bldP spid="33" grpId="0" animBg="1"/>
+      <p:bldP spid="34" grpId="0" animBg="1"/>
     </p:bldLst>
   </p:timing>
 </p:sld>
 </file>
 
-<file path=ppt/slides/slide8.xml><?xml version="1.0" encoding="utf-8"?>
+<file path=ppt/slides/slide7.xml><?xml version="1.0" encoding="utf-8"?>
 <p:sld xmlns:a="http://schemas.openxmlformats.org/drawingml/2006/main" xmlns:r="http://schemas.openxmlformats.org/officeDocument/2006/relationships" xmlns:p="http://schemas.openxmlformats.org/presentationml/2006/main">
   <p:cSld>
     <p:spTree>
@@ -7665,7 +6091,7 @@
         </p:nvSpPr>
         <p:spPr>
           <a:xfrm>
-            <a:off x="457200" y="188640"/>
+            <a:off x="457200" y="188641"/>
             <a:ext cx="4040188" cy="906115"/>
           </a:xfrm>
         </p:spPr>
@@ -7889,7 +6315,7 @@
         </p:nvSpPr>
         <p:spPr>
           <a:xfrm>
-            <a:off x="4645025" y="188640"/>
+            <a:off x="4645029" y="188641"/>
             <a:ext cx="4041775" cy="906115"/>
           </a:xfrm>
         </p:spPr>
@@ -7930,7 +6356,7 @@
         </p:nvSpPr>
         <p:spPr>
           <a:xfrm>
-            <a:off x="4645025" y="1094755"/>
+            <a:off x="4645029" y="1094755"/>
             <a:ext cx="4041775" cy="3951288"/>
           </a:xfrm>
         </p:spPr>
@@ -7939,65 +6365,6 @@
             <a:normAutofit/>
           </a:bodyPr>
           <a:lstStyle/>
-          <a:p>
-            <a:pPr>
-              <a:lnSpc>
-                <a:spcPct val="150000"/>
-              </a:lnSpc>
-              <a:spcAft>
-                <a:spcPts val="1800"/>
-              </a:spcAft>
-              <a:buFont typeface="Courier New" panose="02070309020205020404" pitchFamily="49" charset="0"/>
-              <a:buChar char="o"/>
-            </a:pPr>
-            <a:r>
-              <a:rPr lang="de-DE" dirty="0">
-                <a:solidFill>
-                  <a:srgbClr val="0070C0"/>
-                </a:solidFill>
-                <a:latin typeface="Roboto Light" panose="02000000000000000000" pitchFamily="2" charset="0"/>
-                <a:ea typeface="Roboto Light" panose="02000000000000000000" pitchFamily="2" charset="0"/>
-              </a:rPr>
-              <a:t>Turtle-Parser </a:t>
-            </a:r>
-            <a:r>
-              <a:rPr lang="de-DE" dirty="0" err="1">
-                <a:solidFill>
-                  <a:srgbClr val="0070C0"/>
-                </a:solidFill>
-                <a:latin typeface="Roboto Light" panose="02000000000000000000" pitchFamily="2" charset="0"/>
-                <a:ea typeface="Roboto Light" panose="02000000000000000000" pitchFamily="2" charset="0"/>
-              </a:rPr>
-              <a:t>for</a:t>
-            </a:r>
-            <a:r>
-              <a:rPr lang="de-DE" dirty="0">
-                <a:solidFill>
-                  <a:srgbClr val="0070C0"/>
-                </a:solidFill>
-                <a:latin typeface="Roboto Light" panose="02000000000000000000" pitchFamily="2" charset="0"/>
-                <a:ea typeface="Roboto Light" panose="02000000000000000000" pitchFamily="2" charset="0"/>
-              </a:rPr>
-              <a:t> </a:t>
-            </a:r>
-            <a:r>
-              <a:rPr lang="de-DE" dirty="0" err="1" smtClean="0">
-                <a:solidFill>
-                  <a:srgbClr val="0070C0"/>
-                </a:solidFill>
-                <a:latin typeface="Roboto Light" panose="02000000000000000000" pitchFamily="2" charset="0"/>
-                <a:ea typeface="Roboto Light" panose="02000000000000000000" pitchFamily="2" charset="0"/>
-              </a:rPr>
-              <a:t>FactBench</a:t>
-            </a:r>
-            <a:endParaRPr lang="de-DE" dirty="0">
-              <a:solidFill>
-                <a:srgbClr val="0070C0"/>
-              </a:solidFill>
-              <a:latin typeface="Roboto Light" panose="02000000000000000000" pitchFamily="2" charset="0"/>
-              <a:ea typeface="Roboto Light" panose="02000000000000000000" pitchFamily="2" charset="0"/>
-            </a:endParaRPr>
-          </a:p>
           <a:p>
             <a:pPr>
               <a:lnSpc>
@@ -8174,7 +6541,7 @@
         </p:nvSpPr>
         <p:spPr>
           <a:xfrm>
-            <a:off x="5585927" y="5085184"/>
+            <a:off x="5585931" y="5085184"/>
             <a:ext cx="2874505" cy="1569660"/>
           </a:xfrm>
           <a:prstGeom prst="rect">
@@ -8195,7 +6562,17 @@
                 <a:latin typeface="Roboto Light" panose="02000000000000000000" pitchFamily="2" charset="0"/>
                 <a:ea typeface="Roboto Light" panose="02000000000000000000" pitchFamily="2" charset="0"/>
               </a:rPr>
-              <a:t>+ 0.8</a:t>
+              <a:t>+ </a:t>
+            </a:r>
+            <a:r>
+              <a:rPr lang="de-DE" sz="9600" dirty="0" smtClean="0">
+                <a:solidFill>
+                  <a:srgbClr val="00B050"/>
+                </a:solidFill>
+                <a:latin typeface="Roboto Light" panose="02000000000000000000" pitchFamily="2" charset="0"/>
+                <a:ea typeface="Roboto Light" panose="02000000000000000000" pitchFamily="2" charset="0"/>
+              </a:rPr>
+              <a:t>0.5</a:t>
             </a:r>
             <a:endParaRPr lang="de-DE" sz="9600" dirty="0">
               <a:solidFill>
@@ -8207,1158 +6584,60 @@
           </a:p>
         </p:txBody>
       </p:sp>
-      <p:graphicFrame>
-        <p:nvGraphicFramePr>
-          <p:cNvPr id="11" name="Tabelle 10"/>
-          <p:cNvGraphicFramePr>
-            <a:graphicFrameLocks noGrp="1"/>
-          </p:cNvGraphicFramePr>
-          <p:nvPr>
-            <p:extLst>
-              <p:ext uri="{D42A27DB-BD31-4B8C-83A1-F6EECF244321}">
-                <p14:modId xmlns:p14="http://schemas.microsoft.com/office/powerpoint/2010/main" val="3353110890"/>
-              </p:ext>
-            </p:extLst>
-          </p:nvPr>
-        </p:nvGraphicFramePr>
-        <p:xfrm>
-          <a:off x="179512" y="5085184"/>
-          <a:ext cx="4248472" cy="2039658"/>
-        </p:xfrm>
-        <a:graphic>
-          <a:graphicData uri="http://schemas.openxmlformats.org/drawingml/2006/table">
-            <a:tbl>
-              <a:tblPr/>
-              <a:tblGrid>
-                <a:gridCol w="4248472"/>
-              </a:tblGrid>
-              <a:tr h="0">
-                <a:tc>
-                  <a:txBody>
-                    <a:bodyPr/>
-                    <a:lstStyle/>
-                    <a:p>
-                      <a:pPr fontAlgn="t"/>
-                      <a:r>
-                        <a:rPr lang="de-DE" sz="900" dirty="0">
-                          <a:solidFill>
-                            <a:srgbClr val="6F42C1"/>
-                          </a:solidFill>
-                          <a:effectLst/>
-                          <a:latin typeface="Consolas" panose="020B0609020204030204" pitchFamily="49" charset="0"/>
-                          <a:cs typeface="Consolas" panose="020B0609020204030204" pitchFamily="49" charset="0"/>
-                        </a:rPr>
-                        <a:t>&lt;http://</a:t>
-                      </a:r>
-                      <a:r>
-                        <a:rPr lang="de-DE" sz="900" dirty="0" smtClean="0">
-                          <a:solidFill>
-                            <a:srgbClr val="6F42C1"/>
-                          </a:solidFill>
-                          <a:effectLst/>
-                          <a:latin typeface="Consolas" panose="020B0609020204030204" pitchFamily="49" charset="0"/>
-                          <a:cs typeface="Consolas" panose="020B0609020204030204" pitchFamily="49" charset="0"/>
-                        </a:rPr>
-                        <a:t>dbpedia.org/resource/Angela_Merkel&gt;</a:t>
-                      </a:r>
-                      <a:endParaRPr lang="de-DE" sz="900" dirty="0">
-                        <a:solidFill>
-                          <a:srgbClr val="24292E"/>
-                        </a:solidFill>
-                        <a:effectLst/>
-                        <a:latin typeface="Consolas" panose="020B0609020204030204" pitchFamily="49" charset="0"/>
-                        <a:cs typeface="Consolas" panose="020B0609020204030204" pitchFamily="49" charset="0"/>
-                      </a:endParaRPr>
-                    </a:p>
-                  </a:txBody>
-                  <a:tcPr marL="5339" marR="5339" marT="2563" marB="2563">
-                    <a:lnL>
-                      <a:noFill/>
-                    </a:lnL>
-                    <a:lnR>
-                      <a:noFill/>
-                    </a:lnR>
-                    <a:lnT>
-                      <a:noFill/>
-                    </a:lnT>
-                    <a:lnB>
-                      <a:noFill/>
-                    </a:lnB>
-                    <a:lnTlToBr w="12700" cmpd="sng">
-                      <a:noFill/>
-                      <a:prstDash val="solid"/>
-                    </a:lnTlToBr>
-                    <a:lnBlToTr w="12700" cmpd="sng">
-                      <a:noFill/>
-                      <a:prstDash val="solid"/>
-                    </a:lnBlToTr>
-                    <a:noFill/>
-                  </a:tcPr>
-                </a:tc>
-              </a:tr>
-              <a:tr h="66634">
-                <a:tc>
-                  <a:txBody>
-                    <a:bodyPr/>
-                    <a:lstStyle/>
-                    <a:p>
-                      <a:pPr lvl="1" fontAlgn="t"/>
-                      <a:r>
-                        <a:rPr lang="de-DE" sz="900" dirty="0" err="1">
-                          <a:solidFill>
-                            <a:srgbClr val="24292E"/>
-                          </a:solidFill>
-                          <a:effectLst/>
-                          <a:latin typeface="Consolas" panose="020B0609020204030204" pitchFamily="49" charset="0"/>
-                          <a:cs typeface="Consolas" panose="020B0609020204030204" pitchFamily="49" charset="0"/>
-                        </a:rPr>
-                        <a:t>rdfs:label</a:t>
-                      </a:r>
-                      <a:r>
-                        <a:rPr lang="de-DE" sz="900" dirty="0">
-                          <a:solidFill>
-                            <a:srgbClr val="24292E"/>
-                          </a:solidFill>
-                          <a:effectLst/>
-                          <a:latin typeface="Consolas" panose="020B0609020204030204" pitchFamily="49" charset="0"/>
-                          <a:cs typeface="Consolas" panose="020B0609020204030204" pitchFamily="49" charset="0"/>
-                        </a:rPr>
-                        <a:t> </a:t>
-                      </a:r>
-                      <a:r>
-                        <a:rPr lang="de-DE" sz="900" dirty="0" smtClean="0">
-                          <a:solidFill>
-                            <a:srgbClr val="032F62"/>
-                          </a:solidFill>
-                          <a:effectLst/>
-                          <a:latin typeface="Consolas" panose="020B0609020204030204" pitchFamily="49" charset="0"/>
-                          <a:cs typeface="Consolas" panose="020B0609020204030204" pitchFamily="49" charset="0"/>
-                        </a:rPr>
-                        <a:t>"Angela </a:t>
-                      </a:r>
-                      <a:r>
-                        <a:rPr lang="de-DE" sz="900" dirty="0" err="1" smtClean="0">
-                          <a:solidFill>
-                            <a:srgbClr val="032F62"/>
-                          </a:solidFill>
-                          <a:effectLst/>
-                          <a:latin typeface="Consolas" panose="020B0609020204030204" pitchFamily="49" charset="0"/>
-                          <a:cs typeface="Consolas" panose="020B0609020204030204" pitchFamily="49" charset="0"/>
-                        </a:rPr>
-                        <a:t>Merkel"</a:t>
-                      </a:r>
-                      <a:r>
-                        <a:rPr lang="de-DE" sz="900" dirty="0" err="1" smtClean="0">
-                          <a:solidFill>
-                            <a:srgbClr val="005CC5"/>
-                          </a:solidFill>
-                          <a:effectLst/>
-                          <a:latin typeface="Consolas" panose="020B0609020204030204" pitchFamily="49" charset="0"/>
-                          <a:cs typeface="Consolas" panose="020B0609020204030204" pitchFamily="49" charset="0"/>
-                        </a:rPr>
-                        <a:t>@en</a:t>
-                      </a:r>
-                      <a:r>
-                        <a:rPr lang="de-DE" sz="900" baseline="0" dirty="0" smtClean="0">
-                          <a:solidFill>
-                            <a:srgbClr val="24292E"/>
-                          </a:solidFill>
-                          <a:effectLst/>
-                          <a:latin typeface="Consolas" panose="020B0609020204030204" pitchFamily="49" charset="0"/>
-                          <a:cs typeface="Consolas" panose="020B0609020204030204" pitchFamily="49" charset="0"/>
-                        </a:rPr>
-                        <a:t> </a:t>
-                      </a:r>
-                      <a:r>
-                        <a:rPr lang="de-DE" sz="900" dirty="0" smtClean="0">
-                          <a:solidFill>
-                            <a:srgbClr val="24292E"/>
-                          </a:solidFill>
-                          <a:effectLst/>
-                          <a:latin typeface="Consolas" panose="020B0609020204030204" pitchFamily="49" charset="0"/>
-                          <a:cs typeface="Consolas" panose="020B0609020204030204" pitchFamily="49" charset="0"/>
-                        </a:rPr>
-                        <a:t>;</a:t>
-                      </a:r>
-                      <a:endParaRPr lang="de-DE" sz="900" dirty="0">
-                        <a:solidFill>
-                          <a:srgbClr val="24292E"/>
-                        </a:solidFill>
-                        <a:effectLst/>
-                        <a:latin typeface="Consolas" panose="020B0609020204030204" pitchFamily="49" charset="0"/>
-                        <a:cs typeface="Consolas" panose="020B0609020204030204" pitchFamily="49" charset="0"/>
-                      </a:endParaRPr>
-                    </a:p>
-                  </a:txBody>
-                  <a:tcPr marL="5339" marR="5339" marT="2563" marB="2563">
-                    <a:lnL>
-                      <a:noFill/>
-                    </a:lnL>
-                    <a:lnR>
-                      <a:noFill/>
-                    </a:lnR>
-                    <a:lnT>
-                      <a:noFill/>
-                    </a:lnT>
-                    <a:lnB>
-                      <a:noFill/>
-                    </a:lnB>
-                    <a:lnTlToBr w="12700" cmpd="sng">
-                      <a:noFill/>
-                      <a:prstDash val="solid"/>
-                    </a:lnTlToBr>
-                    <a:lnBlToTr w="12700" cmpd="sng">
-                      <a:noFill/>
-                      <a:prstDash val="solid"/>
-                    </a:lnBlToTr>
-                    <a:noFill/>
-                  </a:tcPr>
-                </a:tc>
-              </a:tr>
-              <a:tr h="66634">
-                <a:tc>
-                  <a:txBody>
-                    <a:bodyPr/>
-                    <a:lstStyle/>
-                    <a:p>
-                      <a:pPr lvl="1" fontAlgn="t"/>
-                      <a:r>
-                        <a:rPr lang="de-DE" sz="900" dirty="0" err="1">
-                          <a:solidFill>
-                            <a:srgbClr val="24292E"/>
-                          </a:solidFill>
-                          <a:effectLst/>
-                          <a:latin typeface="Consolas" panose="020B0609020204030204" pitchFamily="49" charset="0"/>
-                          <a:cs typeface="Consolas" panose="020B0609020204030204" pitchFamily="49" charset="0"/>
-                        </a:rPr>
-                        <a:t>dbo:inOffice</a:t>
-                      </a:r>
-                      <a:r>
-                        <a:rPr lang="de-DE" sz="900" dirty="0">
-                          <a:solidFill>
-                            <a:srgbClr val="24292E"/>
-                          </a:solidFill>
-                          <a:effectLst/>
-                          <a:latin typeface="Consolas" panose="020B0609020204030204" pitchFamily="49" charset="0"/>
-                          <a:cs typeface="Consolas" panose="020B0609020204030204" pitchFamily="49" charset="0"/>
-                        </a:rPr>
-                        <a:t> </a:t>
-                      </a:r>
-                      <a:r>
-                        <a:rPr lang="de-DE" sz="900" dirty="0">
-                          <a:solidFill>
-                            <a:srgbClr val="6F42C1"/>
-                          </a:solidFill>
-                          <a:effectLst/>
-                          <a:latin typeface="Consolas" panose="020B0609020204030204" pitchFamily="49" charset="0"/>
-                          <a:cs typeface="Consolas" panose="020B0609020204030204" pitchFamily="49" charset="0"/>
-                        </a:rPr>
-                        <a:t>&lt;http://</a:t>
-                      </a:r>
-                      <a:r>
-                        <a:rPr lang="de-DE" sz="900" dirty="0" smtClean="0">
-                          <a:solidFill>
-                            <a:srgbClr val="6F42C1"/>
-                          </a:solidFill>
-                          <a:effectLst/>
-                          <a:latin typeface="Consolas" panose="020B0609020204030204" pitchFamily="49" charset="0"/>
-                          <a:cs typeface="Consolas" panose="020B0609020204030204" pitchFamily="49" charset="0"/>
-                        </a:rPr>
-                        <a:t>dbpedia.org/resource/Angela_Merkel__</a:t>
-                      </a:r>
-                      <a:r>
-                        <a:rPr lang="de-DE" sz="900" dirty="0">
-                          <a:solidFill>
-                            <a:srgbClr val="6F42C1"/>
-                          </a:solidFill>
-                          <a:effectLst/>
-                          <a:latin typeface="Consolas" panose="020B0609020204030204" pitchFamily="49" charset="0"/>
-                          <a:cs typeface="Consolas" panose="020B0609020204030204" pitchFamily="49" charset="0"/>
-                        </a:rPr>
-                        <a:t>1&gt;</a:t>
-                      </a:r>
-                      <a:r>
-                        <a:rPr lang="de-DE" sz="900" dirty="0">
-                          <a:solidFill>
-                            <a:srgbClr val="24292E"/>
-                          </a:solidFill>
-                          <a:effectLst/>
-                          <a:latin typeface="Consolas" panose="020B0609020204030204" pitchFamily="49" charset="0"/>
-                          <a:cs typeface="Consolas" panose="020B0609020204030204" pitchFamily="49" charset="0"/>
-                        </a:rPr>
-                        <a:t> ;</a:t>
-                      </a:r>
-                    </a:p>
-                  </a:txBody>
-                  <a:tcPr marL="5339" marR="5339" marT="2563" marB="2563">
-                    <a:lnL>
-                      <a:noFill/>
-                    </a:lnL>
-                    <a:lnR>
-                      <a:noFill/>
-                    </a:lnR>
-                    <a:lnT>
-                      <a:noFill/>
-                    </a:lnT>
-                    <a:lnB>
-                      <a:noFill/>
-                    </a:lnB>
-                    <a:lnTlToBr w="12700" cmpd="sng">
-                      <a:noFill/>
-                      <a:prstDash val="solid"/>
-                    </a:lnTlToBr>
-                    <a:lnBlToTr w="12700" cmpd="sng">
-                      <a:noFill/>
-                      <a:prstDash val="solid"/>
-                    </a:lnBlToTr>
-                    <a:noFill/>
-                  </a:tcPr>
-                </a:tc>
-              </a:tr>
-              <a:tr h="340748">
-                <a:tc>
-                  <a:txBody>
-                    <a:bodyPr/>
-                    <a:lstStyle/>
-                    <a:p>
-                      <a:pPr lvl="1" fontAlgn="t"/>
-                      <a:r>
-                        <a:rPr lang="de-DE" sz="900" dirty="0" err="1">
-                          <a:solidFill>
-                            <a:srgbClr val="24292E"/>
-                          </a:solidFill>
-                          <a:effectLst/>
-                          <a:latin typeface="Consolas" panose="020B0609020204030204" pitchFamily="49" charset="0"/>
-                          <a:cs typeface="Consolas" panose="020B0609020204030204" pitchFamily="49" charset="0"/>
-                        </a:rPr>
-                        <a:t>skos:altLabel</a:t>
-                      </a:r>
-                      <a:r>
-                        <a:rPr lang="de-DE" sz="900" dirty="0">
-                          <a:solidFill>
-                            <a:srgbClr val="24292E"/>
-                          </a:solidFill>
-                          <a:effectLst/>
-                          <a:latin typeface="Consolas" panose="020B0609020204030204" pitchFamily="49" charset="0"/>
-                          <a:cs typeface="Consolas" panose="020B0609020204030204" pitchFamily="49" charset="0"/>
-                        </a:rPr>
-                        <a:t> </a:t>
-                      </a:r>
-                      <a:r>
-                        <a:rPr lang="de-DE" sz="900" dirty="0" smtClean="0">
-                          <a:solidFill>
-                            <a:srgbClr val="24292E"/>
-                          </a:solidFill>
-                          <a:effectLst/>
-                          <a:latin typeface="Consolas" panose="020B0609020204030204" pitchFamily="49" charset="0"/>
-                          <a:cs typeface="Consolas" panose="020B0609020204030204" pitchFamily="49" charset="0"/>
-                        </a:rPr>
-                        <a:t>"</a:t>
-                      </a:r>
-                      <a:r>
-                        <a:rPr lang="de-DE" sz="900" dirty="0" smtClean="0">
-                          <a:solidFill>
-                            <a:srgbClr val="032F62"/>
-                          </a:solidFill>
-                          <a:effectLst/>
-                          <a:latin typeface="Consolas" panose="020B0609020204030204" pitchFamily="49" charset="0"/>
-                          <a:cs typeface="Consolas" panose="020B0609020204030204" pitchFamily="49" charset="0"/>
-                        </a:rPr>
-                        <a:t>Angela Dorothea </a:t>
-                      </a:r>
-                      <a:r>
-                        <a:rPr lang="de-DE" sz="900" dirty="0" err="1" smtClean="0">
-                          <a:solidFill>
-                            <a:srgbClr val="032F62"/>
-                          </a:solidFill>
-                          <a:effectLst/>
-                          <a:latin typeface="Consolas" panose="020B0609020204030204" pitchFamily="49" charset="0"/>
-                          <a:cs typeface="Consolas" panose="020B0609020204030204" pitchFamily="49" charset="0"/>
-                        </a:rPr>
-                        <a:t>Merkel</a:t>
-                      </a:r>
-                      <a:r>
-                        <a:rPr lang="de-DE" sz="900" dirty="0" err="1" smtClean="0">
-                          <a:solidFill>
-                            <a:srgbClr val="24292E"/>
-                          </a:solidFill>
-                          <a:effectLst/>
-                          <a:latin typeface="Consolas" panose="020B0609020204030204" pitchFamily="49" charset="0"/>
-                          <a:cs typeface="Consolas" panose="020B0609020204030204" pitchFamily="49" charset="0"/>
-                        </a:rPr>
-                        <a:t>"</a:t>
-                      </a:r>
-                      <a:r>
-                        <a:rPr lang="de-DE" sz="900" dirty="0" err="1" smtClean="0">
-                          <a:solidFill>
-                            <a:srgbClr val="005CC5"/>
-                          </a:solidFill>
-                          <a:effectLst/>
-                          <a:latin typeface="Consolas" panose="020B0609020204030204" pitchFamily="49" charset="0"/>
-                          <a:cs typeface="Consolas" panose="020B0609020204030204" pitchFamily="49" charset="0"/>
-                        </a:rPr>
-                        <a:t>@en</a:t>
-                      </a:r>
-                      <a:r>
-                        <a:rPr lang="de-DE" sz="900" baseline="0" dirty="0" smtClean="0">
-                          <a:solidFill>
-                            <a:srgbClr val="24292E"/>
-                          </a:solidFill>
-                          <a:effectLst/>
-                          <a:latin typeface="Consolas" panose="020B0609020204030204" pitchFamily="49" charset="0"/>
-                          <a:cs typeface="Consolas" panose="020B0609020204030204" pitchFamily="49" charset="0"/>
-                        </a:rPr>
-                        <a:t> </a:t>
-                      </a:r>
-                      <a:r>
-                        <a:rPr lang="de-DE" sz="900" dirty="0" smtClean="0">
-                          <a:solidFill>
-                            <a:srgbClr val="24292E"/>
-                          </a:solidFill>
-                          <a:effectLst/>
-                          <a:latin typeface="Consolas" panose="020B0609020204030204" pitchFamily="49" charset="0"/>
-                          <a:cs typeface="Consolas" panose="020B0609020204030204" pitchFamily="49" charset="0"/>
-                        </a:rPr>
-                        <a:t>.</a:t>
-                      </a:r>
-                      <a:endParaRPr lang="de-DE" sz="900" dirty="0">
-                        <a:solidFill>
-                          <a:srgbClr val="24292E"/>
-                        </a:solidFill>
-                        <a:effectLst/>
-                        <a:latin typeface="Consolas" panose="020B0609020204030204" pitchFamily="49" charset="0"/>
-                        <a:cs typeface="Consolas" panose="020B0609020204030204" pitchFamily="49" charset="0"/>
-                      </a:endParaRPr>
-                    </a:p>
-                  </a:txBody>
-                  <a:tcPr marL="5339" marR="5339" marT="2563" marB="2563">
-                    <a:lnL>
-                      <a:noFill/>
-                    </a:lnL>
-                    <a:lnR>
-                      <a:noFill/>
-                    </a:lnR>
-                    <a:lnT>
-                      <a:noFill/>
-                    </a:lnT>
-                    <a:lnB>
-                      <a:noFill/>
-                    </a:lnB>
-                    <a:lnTlToBr w="12700" cmpd="sng">
-                      <a:noFill/>
-                      <a:prstDash val="solid"/>
-                    </a:lnTlToBr>
-                    <a:lnBlToTr w="12700" cmpd="sng">
-                      <a:noFill/>
-                      <a:prstDash val="solid"/>
-                    </a:lnBlToTr>
-                    <a:noFill/>
-                  </a:tcPr>
-                </a:tc>
-              </a:tr>
-              <a:tr h="144016">
-                <a:tc>
-                  <a:txBody>
-                    <a:bodyPr/>
-                    <a:lstStyle/>
-                    <a:p>
-                      <a:pPr fontAlgn="t"/>
-                      <a:endParaRPr lang="de-DE" sz="900" dirty="0">
-                        <a:solidFill>
-                          <a:srgbClr val="24292E"/>
-                        </a:solidFill>
-                        <a:effectLst/>
-                        <a:latin typeface="Consolas" panose="020B0609020204030204" pitchFamily="49" charset="0"/>
-                        <a:cs typeface="Consolas" panose="020B0609020204030204" pitchFamily="49" charset="0"/>
-                      </a:endParaRPr>
-                    </a:p>
-                  </a:txBody>
-                  <a:tcPr marL="5339" marR="5339" marT="2563" marB="2563">
-                    <a:lnL>
-                      <a:noFill/>
-                    </a:lnL>
-                    <a:lnR>
-                      <a:noFill/>
-                    </a:lnR>
-                    <a:lnT>
-                      <a:noFill/>
-                    </a:lnT>
-                    <a:lnB>
-                      <a:noFill/>
-                    </a:lnB>
-                    <a:lnTlToBr w="12700" cmpd="sng">
-                      <a:noFill/>
-                      <a:prstDash val="solid"/>
-                    </a:lnTlToBr>
-                    <a:lnBlToTr w="12700" cmpd="sng">
-                      <a:noFill/>
-                      <a:prstDash val="solid"/>
-                    </a:lnBlToTr>
-                    <a:noFill/>
-                  </a:tcPr>
-                </a:tc>
-              </a:tr>
-              <a:tr h="35880">
-                <a:tc>
-                  <a:txBody>
-                    <a:bodyPr/>
-                    <a:lstStyle/>
-                    <a:p>
-                      <a:pPr fontAlgn="t"/>
-                      <a:r>
-                        <a:rPr lang="de-DE" sz="900" dirty="0">
-                          <a:solidFill>
-                            <a:srgbClr val="6F42C1"/>
-                          </a:solidFill>
-                          <a:effectLst/>
-                          <a:latin typeface="Consolas" panose="020B0609020204030204" pitchFamily="49" charset="0"/>
-                          <a:cs typeface="Consolas" panose="020B0609020204030204" pitchFamily="49" charset="0"/>
-                        </a:rPr>
-                        <a:t>&lt;http://</a:t>
-                      </a:r>
-                      <a:r>
-                        <a:rPr lang="de-DE" sz="900" dirty="0" smtClean="0">
-                          <a:solidFill>
-                            <a:srgbClr val="6F42C1"/>
-                          </a:solidFill>
-                          <a:effectLst/>
-                          <a:latin typeface="Consolas" panose="020B0609020204030204" pitchFamily="49" charset="0"/>
-                          <a:cs typeface="Consolas" panose="020B0609020204030204" pitchFamily="49" charset="0"/>
-                        </a:rPr>
-                        <a:t>dbpedia.org/resource/Germany&gt;</a:t>
-                      </a:r>
-                      <a:endParaRPr lang="de-DE" sz="900" dirty="0">
-                        <a:solidFill>
-                          <a:srgbClr val="24292E"/>
-                        </a:solidFill>
-                        <a:effectLst/>
-                        <a:latin typeface="Consolas" panose="020B0609020204030204" pitchFamily="49" charset="0"/>
-                        <a:cs typeface="Consolas" panose="020B0609020204030204" pitchFamily="49" charset="0"/>
-                      </a:endParaRPr>
-                    </a:p>
-                  </a:txBody>
-                  <a:tcPr marL="5339" marR="5339" marT="2563" marB="2563">
-                    <a:lnL>
-                      <a:noFill/>
-                    </a:lnL>
-                    <a:lnR>
-                      <a:noFill/>
-                    </a:lnR>
-                    <a:lnT>
-                      <a:noFill/>
-                    </a:lnT>
-                    <a:lnB>
-                      <a:noFill/>
-                    </a:lnB>
-                    <a:lnTlToBr w="12700" cmpd="sng">
-                      <a:noFill/>
-                      <a:prstDash val="solid"/>
-                    </a:lnTlToBr>
-                    <a:lnBlToTr w="12700" cmpd="sng">
-                      <a:noFill/>
-                      <a:prstDash val="solid"/>
-                    </a:lnBlToTr>
-                    <a:noFill/>
-                  </a:tcPr>
-                </a:tc>
-              </a:tr>
-              <a:tr h="51257">
-                <a:tc>
-                  <a:txBody>
-                    <a:bodyPr/>
-                    <a:lstStyle/>
-                    <a:p>
-                      <a:pPr lvl="1" fontAlgn="t"/>
-                      <a:r>
-                        <a:rPr lang="de-DE" sz="900" dirty="0" err="1">
-                          <a:solidFill>
-                            <a:srgbClr val="24292E"/>
-                          </a:solidFill>
-                          <a:effectLst/>
-                          <a:latin typeface="Consolas" panose="020B0609020204030204" pitchFamily="49" charset="0"/>
-                          <a:cs typeface="Consolas" panose="020B0609020204030204" pitchFamily="49" charset="0"/>
-                        </a:rPr>
-                        <a:t>rdfs:label</a:t>
-                      </a:r>
-                      <a:r>
-                        <a:rPr lang="de-DE" sz="900" dirty="0">
-                          <a:solidFill>
-                            <a:srgbClr val="24292E"/>
-                          </a:solidFill>
-                          <a:effectLst/>
-                          <a:latin typeface="Consolas" panose="020B0609020204030204" pitchFamily="49" charset="0"/>
-                          <a:cs typeface="Consolas" panose="020B0609020204030204" pitchFamily="49" charset="0"/>
-                        </a:rPr>
-                        <a:t> </a:t>
-                      </a:r>
-                      <a:r>
-                        <a:rPr lang="de-DE" sz="900" dirty="0" smtClean="0">
-                          <a:solidFill>
-                            <a:srgbClr val="032F62"/>
-                          </a:solidFill>
-                          <a:effectLst/>
-                          <a:latin typeface="Consolas" panose="020B0609020204030204" pitchFamily="49" charset="0"/>
-                          <a:cs typeface="Consolas" panose="020B0609020204030204" pitchFamily="49" charset="0"/>
-                        </a:rPr>
-                        <a:t>"</a:t>
-                      </a:r>
-                      <a:r>
-                        <a:rPr lang="de-DE" sz="900" dirty="0" err="1" smtClean="0">
-                          <a:solidFill>
-                            <a:srgbClr val="032F62"/>
-                          </a:solidFill>
-                          <a:effectLst/>
-                          <a:latin typeface="Consolas" panose="020B0609020204030204" pitchFamily="49" charset="0"/>
-                          <a:cs typeface="Consolas" panose="020B0609020204030204" pitchFamily="49" charset="0"/>
-                        </a:rPr>
-                        <a:t>Deutschland"</a:t>
-                      </a:r>
-                      <a:r>
-                        <a:rPr lang="de-DE" sz="900" dirty="0" err="1" smtClean="0">
-                          <a:solidFill>
-                            <a:srgbClr val="005CC5"/>
-                          </a:solidFill>
-                          <a:effectLst/>
-                          <a:latin typeface="Consolas" panose="020B0609020204030204" pitchFamily="49" charset="0"/>
-                          <a:cs typeface="Consolas" panose="020B0609020204030204" pitchFamily="49" charset="0"/>
-                        </a:rPr>
-                        <a:t>@</a:t>
-                      </a:r>
-                      <a:r>
-                        <a:rPr lang="de-DE" sz="900" dirty="0" err="1">
-                          <a:solidFill>
-                            <a:srgbClr val="005CC5"/>
-                          </a:solidFill>
-                          <a:effectLst/>
-                          <a:latin typeface="Consolas" panose="020B0609020204030204" pitchFamily="49" charset="0"/>
-                          <a:cs typeface="Consolas" panose="020B0609020204030204" pitchFamily="49" charset="0"/>
-                        </a:rPr>
-                        <a:t>de</a:t>
-                      </a:r>
-                      <a:r>
-                        <a:rPr lang="de-DE" sz="900" dirty="0">
-                          <a:solidFill>
-                            <a:srgbClr val="24292E"/>
-                          </a:solidFill>
-                          <a:effectLst/>
-                          <a:latin typeface="Consolas" panose="020B0609020204030204" pitchFamily="49" charset="0"/>
-                          <a:cs typeface="Consolas" panose="020B0609020204030204" pitchFamily="49" charset="0"/>
-                        </a:rPr>
-                        <a:t> , </a:t>
-                      </a:r>
-                      <a:r>
-                        <a:rPr lang="de-DE" sz="900" dirty="0" smtClean="0">
-                          <a:solidFill>
-                            <a:srgbClr val="032F62"/>
-                          </a:solidFill>
-                          <a:effectLst/>
-                          <a:latin typeface="Consolas" panose="020B0609020204030204" pitchFamily="49" charset="0"/>
-                          <a:cs typeface="Consolas" panose="020B0609020204030204" pitchFamily="49" charset="0"/>
-                        </a:rPr>
-                        <a:t>"</a:t>
-                      </a:r>
-                      <a:r>
-                        <a:rPr lang="de-DE" sz="900" dirty="0" err="1" smtClean="0">
-                          <a:solidFill>
-                            <a:srgbClr val="032F62"/>
-                          </a:solidFill>
-                          <a:effectLst/>
-                          <a:latin typeface="Consolas" panose="020B0609020204030204" pitchFamily="49" charset="0"/>
-                          <a:cs typeface="Consolas" panose="020B0609020204030204" pitchFamily="49" charset="0"/>
-                        </a:rPr>
-                        <a:t>Germany"</a:t>
-                      </a:r>
-                      <a:r>
-                        <a:rPr lang="de-DE" sz="900" dirty="0" err="1" smtClean="0">
-                          <a:solidFill>
-                            <a:srgbClr val="005CC5"/>
-                          </a:solidFill>
-                          <a:effectLst/>
-                          <a:latin typeface="Consolas" panose="020B0609020204030204" pitchFamily="49" charset="0"/>
-                          <a:cs typeface="Consolas" panose="020B0609020204030204" pitchFamily="49" charset="0"/>
-                        </a:rPr>
-                        <a:t>@en</a:t>
-                      </a:r>
-                      <a:r>
-                        <a:rPr lang="de-DE" sz="900" dirty="0" smtClean="0">
-                          <a:solidFill>
-                            <a:srgbClr val="005CC5"/>
-                          </a:solidFill>
-                          <a:effectLst/>
-                          <a:latin typeface="Consolas" panose="020B0609020204030204" pitchFamily="49" charset="0"/>
-                          <a:cs typeface="Consolas" panose="020B0609020204030204" pitchFamily="49" charset="0"/>
-                        </a:rPr>
-                        <a:t> </a:t>
-                      </a:r>
-                      <a:r>
-                        <a:rPr lang="de-DE" sz="900" dirty="0" smtClean="0">
-                          <a:solidFill>
-                            <a:srgbClr val="24292E"/>
-                          </a:solidFill>
-                          <a:effectLst/>
-                          <a:latin typeface="Consolas" panose="020B0609020204030204" pitchFamily="49" charset="0"/>
-                          <a:cs typeface="Consolas" panose="020B0609020204030204" pitchFamily="49" charset="0"/>
-                        </a:rPr>
-                        <a:t>.</a:t>
-                      </a:r>
-                      <a:endParaRPr lang="de-DE" sz="900" dirty="0">
-                        <a:solidFill>
-                          <a:srgbClr val="24292E"/>
-                        </a:solidFill>
-                        <a:effectLst/>
-                        <a:latin typeface="Consolas" panose="020B0609020204030204" pitchFamily="49" charset="0"/>
-                        <a:cs typeface="Consolas" panose="020B0609020204030204" pitchFamily="49" charset="0"/>
-                      </a:endParaRPr>
-                    </a:p>
-                  </a:txBody>
-                  <a:tcPr marL="5339" marR="5339" marT="2563" marB="2563">
-                    <a:lnL>
-                      <a:noFill/>
-                    </a:lnL>
-                    <a:lnR>
-                      <a:noFill/>
-                    </a:lnR>
-                    <a:lnT>
-                      <a:noFill/>
-                    </a:lnT>
-                    <a:lnB>
-                      <a:noFill/>
-                    </a:lnB>
-                    <a:lnTlToBr w="12700" cmpd="sng">
-                      <a:noFill/>
-                      <a:prstDash val="solid"/>
-                    </a:lnTlToBr>
-                    <a:lnBlToTr w="12700" cmpd="sng">
-                      <a:noFill/>
-                      <a:prstDash val="solid"/>
-                    </a:lnBlToTr>
-                    <a:noFill/>
-                  </a:tcPr>
-                </a:tc>
-              </a:tr>
-              <a:tr h="51257">
-                <a:tc>
-                  <a:txBody>
-                    <a:bodyPr/>
-                    <a:lstStyle/>
-                    <a:p>
-                      <a:pPr fontAlgn="t"/>
-                      <a:endParaRPr lang="de-DE" sz="900" dirty="0" smtClean="0">
-                        <a:solidFill>
-                          <a:srgbClr val="6F42C1"/>
-                        </a:solidFill>
-                        <a:effectLst/>
-                        <a:latin typeface="Consolas" panose="020B0609020204030204" pitchFamily="49" charset="0"/>
-                        <a:cs typeface="Consolas" panose="020B0609020204030204" pitchFamily="49" charset="0"/>
-                      </a:endParaRPr>
-                    </a:p>
-                    <a:p>
-                      <a:pPr fontAlgn="t"/>
-                      <a:r>
-                        <a:rPr lang="de-DE" sz="900" dirty="0" smtClean="0">
-                          <a:solidFill>
-                            <a:srgbClr val="6F42C1"/>
-                          </a:solidFill>
-                          <a:effectLst/>
-                          <a:latin typeface="Consolas" panose="020B0609020204030204" pitchFamily="49" charset="0"/>
-                          <a:cs typeface="Consolas" panose="020B0609020204030204" pitchFamily="49" charset="0"/>
-                        </a:rPr>
-                        <a:t>&lt;</a:t>
-                      </a:r>
-                      <a:r>
-                        <a:rPr lang="de-DE" sz="900" dirty="0">
-                          <a:solidFill>
-                            <a:srgbClr val="6F42C1"/>
-                          </a:solidFill>
-                          <a:effectLst/>
-                          <a:latin typeface="Consolas" panose="020B0609020204030204" pitchFamily="49" charset="0"/>
-                          <a:cs typeface="Consolas" panose="020B0609020204030204" pitchFamily="49" charset="0"/>
-                        </a:rPr>
-                        <a:t>http://</a:t>
-                      </a:r>
-                      <a:r>
-                        <a:rPr lang="de-DE" sz="900" dirty="0" smtClean="0">
-                          <a:solidFill>
-                            <a:srgbClr val="6F42C1"/>
-                          </a:solidFill>
-                          <a:effectLst/>
-                          <a:latin typeface="Consolas" panose="020B0609020204030204" pitchFamily="49" charset="0"/>
-                          <a:cs typeface="Consolas" panose="020B0609020204030204" pitchFamily="49" charset="0"/>
-                        </a:rPr>
-                        <a:t>dbpedia.org/resource/Angela_Merkel__</a:t>
-                      </a:r>
-                      <a:r>
-                        <a:rPr lang="de-DE" sz="900" dirty="0">
-                          <a:solidFill>
-                            <a:srgbClr val="6F42C1"/>
-                          </a:solidFill>
-                          <a:effectLst/>
-                          <a:latin typeface="Consolas" panose="020B0609020204030204" pitchFamily="49" charset="0"/>
-                          <a:cs typeface="Consolas" panose="020B0609020204030204" pitchFamily="49" charset="0"/>
-                        </a:rPr>
-                        <a:t>1&gt;</a:t>
-                      </a:r>
-                      <a:endParaRPr lang="de-DE" sz="900" dirty="0">
-                        <a:solidFill>
-                          <a:srgbClr val="24292E"/>
-                        </a:solidFill>
-                        <a:effectLst/>
-                        <a:latin typeface="Consolas" panose="020B0609020204030204" pitchFamily="49" charset="0"/>
-                        <a:cs typeface="Consolas" panose="020B0609020204030204" pitchFamily="49" charset="0"/>
-                      </a:endParaRPr>
-                    </a:p>
-                  </a:txBody>
-                  <a:tcPr marL="5339" marR="5339" marT="2563" marB="2563">
-                    <a:lnL>
-                      <a:noFill/>
-                    </a:lnL>
-                    <a:lnR>
-                      <a:noFill/>
-                    </a:lnR>
-                    <a:lnT>
-                      <a:noFill/>
-                    </a:lnT>
-                    <a:lnB>
-                      <a:noFill/>
-                    </a:lnB>
-                    <a:lnTlToBr w="12700" cmpd="sng">
-                      <a:noFill/>
-                      <a:prstDash val="solid"/>
-                    </a:lnTlToBr>
-                    <a:lnBlToTr w="12700" cmpd="sng">
-                      <a:noFill/>
-                      <a:prstDash val="solid"/>
-                    </a:lnBlToTr>
-                    <a:noFill/>
-                  </a:tcPr>
-                </a:tc>
-              </a:tr>
-              <a:tr h="32786">
-                <a:tc>
-                  <a:txBody>
-                    <a:bodyPr/>
-                    <a:lstStyle/>
-                    <a:p>
-                      <a:pPr lvl="1" fontAlgn="t"/>
-                      <a:r>
-                        <a:rPr lang="de-DE" sz="900" dirty="0" err="1">
-                          <a:solidFill>
-                            <a:srgbClr val="24292E"/>
-                          </a:solidFill>
-                          <a:effectLst/>
-                          <a:latin typeface="Consolas" panose="020B0609020204030204" pitchFamily="49" charset="0"/>
-                          <a:cs typeface="Consolas" panose="020B0609020204030204" pitchFamily="49" charset="0"/>
-                        </a:rPr>
-                        <a:t>dbo:from</a:t>
-                      </a:r>
-                      <a:r>
-                        <a:rPr lang="de-DE" sz="900" dirty="0">
-                          <a:solidFill>
-                            <a:srgbClr val="24292E"/>
-                          </a:solidFill>
-                          <a:effectLst/>
-                          <a:latin typeface="Consolas" panose="020B0609020204030204" pitchFamily="49" charset="0"/>
-                          <a:cs typeface="Consolas" panose="020B0609020204030204" pitchFamily="49" charset="0"/>
-                        </a:rPr>
-                        <a:t> </a:t>
-                      </a:r>
-                      <a:r>
-                        <a:rPr lang="de-DE" sz="900" dirty="0">
-                          <a:solidFill>
-                            <a:srgbClr val="032F62"/>
-                          </a:solidFill>
-                          <a:effectLst/>
-                          <a:latin typeface="Consolas" panose="020B0609020204030204" pitchFamily="49" charset="0"/>
-                          <a:cs typeface="Consolas" panose="020B0609020204030204" pitchFamily="49" charset="0"/>
-                        </a:rPr>
-                        <a:t>"</a:t>
-                      </a:r>
-                      <a:r>
-                        <a:rPr lang="de-DE" sz="900" dirty="0" smtClean="0">
-                          <a:solidFill>
-                            <a:srgbClr val="032F62"/>
-                          </a:solidFill>
-                          <a:effectLst/>
-                          <a:latin typeface="Consolas" panose="020B0609020204030204" pitchFamily="49" charset="0"/>
-                          <a:cs typeface="Consolas" panose="020B0609020204030204" pitchFamily="49" charset="0"/>
-                        </a:rPr>
-                        <a:t>2005-09-18"</a:t>
-                      </a:r>
-                      <a:r>
-                        <a:rPr lang="de-DE" sz="900" dirty="0" smtClean="0">
-                          <a:solidFill>
-                            <a:srgbClr val="D73A49"/>
-                          </a:solidFill>
-                          <a:effectLst/>
-                          <a:latin typeface="Consolas" panose="020B0609020204030204" pitchFamily="49" charset="0"/>
-                          <a:cs typeface="Consolas" panose="020B0609020204030204" pitchFamily="49" charset="0"/>
-                        </a:rPr>
-                        <a:t>^^</a:t>
-                      </a:r>
-                      <a:r>
-                        <a:rPr lang="de-DE" sz="900" dirty="0" err="1">
-                          <a:solidFill>
-                            <a:srgbClr val="D73A49"/>
-                          </a:solidFill>
-                          <a:effectLst/>
-                          <a:latin typeface="Consolas" panose="020B0609020204030204" pitchFamily="49" charset="0"/>
-                          <a:cs typeface="Consolas" panose="020B0609020204030204" pitchFamily="49" charset="0"/>
-                        </a:rPr>
-                        <a:t>xsd:date</a:t>
-                      </a:r>
-                      <a:r>
-                        <a:rPr lang="de-DE" sz="900" dirty="0">
-                          <a:solidFill>
-                            <a:srgbClr val="24292E"/>
-                          </a:solidFill>
-                          <a:effectLst/>
-                          <a:latin typeface="Consolas" panose="020B0609020204030204" pitchFamily="49" charset="0"/>
-                          <a:cs typeface="Consolas" panose="020B0609020204030204" pitchFamily="49" charset="0"/>
-                        </a:rPr>
-                        <a:t> ;</a:t>
-                      </a:r>
-                    </a:p>
-                  </a:txBody>
-                  <a:tcPr marL="5339" marR="5339" marT="2563" marB="2563">
-                    <a:lnL>
-                      <a:noFill/>
-                    </a:lnL>
-                    <a:lnR>
-                      <a:noFill/>
-                    </a:lnR>
-                    <a:lnT>
-                      <a:noFill/>
-                    </a:lnT>
-                    <a:lnB>
-                      <a:noFill/>
-                    </a:lnB>
-                    <a:lnTlToBr w="12700" cmpd="sng">
-                      <a:noFill/>
-                      <a:prstDash val="solid"/>
-                    </a:lnTlToBr>
-                    <a:lnBlToTr w="12700" cmpd="sng">
-                      <a:noFill/>
-                      <a:prstDash val="solid"/>
-                    </a:lnBlToTr>
-                    <a:noFill/>
-                  </a:tcPr>
-                </a:tc>
-              </a:tr>
-              <a:tr h="51257">
-                <a:tc>
-                  <a:txBody>
-                    <a:bodyPr/>
-                    <a:lstStyle/>
-                    <a:p>
-                      <a:pPr lvl="1" fontAlgn="t"/>
-                      <a:r>
-                        <a:rPr lang="de-DE" sz="900" dirty="0" err="1">
-                          <a:solidFill>
-                            <a:srgbClr val="24292E"/>
-                          </a:solidFill>
-                          <a:effectLst/>
-                          <a:latin typeface="Consolas" panose="020B0609020204030204" pitchFamily="49" charset="0"/>
-                          <a:cs typeface="Consolas" panose="020B0609020204030204" pitchFamily="49" charset="0"/>
-                        </a:rPr>
-                        <a:t>dbo:office</a:t>
-                      </a:r>
-                      <a:r>
-                        <a:rPr lang="de-DE" sz="900" dirty="0">
-                          <a:solidFill>
-                            <a:srgbClr val="24292E"/>
-                          </a:solidFill>
-                          <a:effectLst/>
-                          <a:latin typeface="Consolas" panose="020B0609020204030204" pitchFamily="49" charset="0"/>
-                          <a:cs typeface="Consolas" panose="020B0609020204030204" pitchFamily="49" charset="0"/>
-                        </a:rPr>
-                        <a:t> </a:t>
-                      </a:r>
-                      <a:r>
-                        <a:rPr lang="de-DE" sz="900" dirty="0">
-                          <a:solidFill>
-                            <a:srgbClr val="6F42C1"/>
-                          </a:solidFill>
-                          <a:effectLst/>
-                          <a:latin typeface="Consolas" panose="020B0609020204030204" pitchFamily="49" charset="0"/>
-                          <a:cs typeface="Consolas" panose="020B0609020204030204" pitchFamily="49" charset="0"/>
-                        </a:rPr>
-                        <a:t>&lt;http://</a:t>
-                      </a:r>
-                      <a:r>
-                        <a:rPr lang="de-DE" sz="900" dirty="0" smtClean="0">
-                          <a:solidFill>
-                            <a:srgbClr val="6F42C1"/>
-                          </a:solidFill>
-                          <a:effectLst/>
-                          <a:latin typeface="Consolas" panose="020B0609020204030204" pitchFamily="49" charset="0"/>
-                          <a:cs typeface="Consolas" panose="020B0609020204030204" pitchFamily="49" charset="0"/>
-                        </a:rPr>
-                        <a:t>dbpedia.org/resource/Germany&gt;</a:t>
-                      </a:r>
-                      <a:r>
-                        <a:rPr lang="de-DE" sz="900" dirty="0" smtClean="0">
-                          <a:solidFill>
-                            <a:srgbClr val="24292E"/>
-                          </a:solidFill>
-                          <a:effectLst/>
-                          <a:latin typeface="Consolas" panose="020B0609020204030204" pitchFamily="49" charset="0"/>
-                          <a:cs typeface="Consolas" panose="020B0609020204030204" pitchFamily="49" charset="0"/>
-                        </a:rPr>
-                        <a:t> </a:t>
-                      </a:r>
-                      <a:r>
-                        <a:rPr lang="de-DE" sz="900" dirty="0">
-                          <a:solidFill>
-                            <a:srgbClr val="24292E"/>
-                          </a:solidFill>
-                          <a:effectLst/>
-                          <a:latin typeface="Consolas" panose="020B0609020204030204" pitchFamily="49" charset="0"/>
-                          <a:cs typeface="Consolas" panose="020B0609020204030204" pitchFamily="49" charset="0"/>
-                        </a:rPr>
-                        <a:t>;</a:t>
-                      </a:r>
-                    </a:p>
-                  </a:txBody>
-                  <a:tcPr marL="5339" marR="5339" marT="2563" marB="2563">
-                    <a:lnL>
-                      <a:noFill/>
-                    </a:lnL>
-                    <a:lnR>
-                      <a:noFill/>
-                    </a:lnR>
-                    <a:lnT>
-                      <a:noFill/>
-                    </a:lnT>
-                    <a:lnB>
-                      <a:noFill/>
-                    </a:lnB>
-                    <a:lnTlToBr w="12700" cmpd="sng">
-                      <a:noFill/>
-                      <a:prstDash val="solid"/>
-                    </a:lnTlToBr>
-                    <a:lnBlToTr w="12700" cmpd="sng">
-                      <a:noFill/>
-                      <a:prstDash val="solid"/>
-                    </a:lnBlToTr>
-                    <a:noFill/>
-                  </a:tcPr>
-                </a:tc>
-              </a:tr>
-              <a:tr h="35880">
-                <a:tc>
-                  <a:txBody>
-                    <a:bodyPr/>
-                    <a:lstStyle/>
-                    <a:p>
-                      <a:pPr lvl="1" fontAlgn="t"/>
-                      <a:r>
-                        <a:rPr lang="de-DE" sz="900" dirty="0" err="1">
-                          <a:solidFill>
-                            <a:srgbClr val="24292E"/>
-                          </a:solidFill>
-                          <a:effectLst/>
-                          <a:latin typeface="Consolas" panose="020B0609020204030204" pitchFamily="49" charset="0"/>
-                          <a:cs typeface="Consolas" panose="020B0609020204030204" pitchFamily="49" charset="0"/>
-                        </a:rPr>
-                        <a:t>dbo:to</a:t>
-                      </a:r>
-                      <a:r>
-                        <a:rPr lang="de-DE" sz="900" dirty="0">
-                          <a:solidFill>
-                            <a:srgbClr val="24292E"/>
-                          </a:solidFill>
-                          <a:effectLst/>
-                          <a:latin typeface="Consolas" panose="020B0609020204030204" pitchFamily="49" charset="0"/>
-                          <a:cs typeface="Consolas" panose="020B0609020204030204" pitchFamily="49" charset="0"/>
-                        </a:rPr>
-                        <a:t> </a:t>
-                      </a:r>
-                      <a:r>
-                        <a:rPr lang="de-DE" sz="900" dirty="0">
-                          <a:solidFill>
-                            <a:srgbClr val="032F62"/>
-                          </a:solidFill>
-                          <a:effectLst/>
-                          <a:latin typeface="Consolas" panose="020B0609020204030204" pitchFamily="49" charset="0"/>
-                          <a:cs typeface="Consolas" panose="020B0609020204030204" pitchFamily="49" charset="0"/>
-                        </a:rPr>
-                        <a:t>"</a:t>
-                      </a:r>
-                      <a:r>
-                        <a:rPr lang="de-DE" sz="900" dirty="0" smtClean="0">
-                          <a:solidFill>
-                            <a:srgbClr val="032F62"/>
-                          </a:solidFill>
-                          <a:effectLst/>
-                          <a:latin typeface="Consolas" panose="020B0609020204030204" pitchFamily="49" charset="0"/>
-                          <a:cs typeface="Consolas" panose="020B0609020204030204" pitchFamily="49" charset="0"/>
-                        </a:rPr>
-                        <a:t>2009-09-27"</a:t>
-                      </a:r>
-                      <a:r>
-                        <a:rPr lang="de-DE" sz="900" dirty="0" smtClean="0">
-                          <a:solidFill>
-                            <a:srgbClr val="D73A49"/>
-                          </a:solidFill>
-                          <a:effectLst/>
-                          <a:latin typeface="Consolas" panose="020B0609020204030204" pitchFamily="49" charset="0"/>
-                          <a:cs typeface="Consolas" panose="020B0609020204030204" pitchFamily="49" charset="0"/>
-                        </a:rPr>
-                        <a:t>^^</a:t>
-                      </a:r>
-                      <a:r>
-                        <a:rPr lang="de-DE" sz="900" dirty="0" err="1">
-                          <a:solidFill>
-                            <a:srgbClr val="D73A49"/>
-                          </a:solidFill>
-                          <a:effectLst/>
-                          <a:latin typeface="Consolas" panose="020B0609020204030204" pitchFamily="49" charset="0"/>
-                          <a:cs typeface="Consolas" panose="020B0609020204030204" pitchFamily="49" charset="0"/>
-                        </a:rPr>
-                        <a:t>xsd:date</a:t>
-                      </a:r>
-                      <a:r>
-                        <a:rPr lang="de-DE" sz="900" dirty="0">
-                          <a:solidFill>
-                            <a:srgbClr val="24292E"/>
-                          </a:solidFill>
-                          <a:effectLst/>
-                          <a:latin typeface="Consolas" panose="020B0609020204030204" pitchFamily="49" charset="0"/>
-                          <a:cs typeface="Consolas" panose="020B0609020204030204" pitchFamily="49" charset="0"/>
-                        </a:rPr>
-                        <a:t> .</a:t>
-                      </a:r>
-                    </a:p>
-                  </a:txBody>
-                  <a:tcPr marL="5339" marR="5339" marT="2563" marB="2563">
-                    <a:lnL>
-                      <a:noFill/>
-                    </a:lnL>
-                    <a:lnR>
-                      <a:noFill/>
-                    </a:lnR>
-                    <a:lnT>
-                      <a:noFill/>
-                    </a:lnT>
-                    <a:lnB>
-                      <a:noFill/>
-                    </a:lnB>
-                    <a:lnTlToBr w="12700" cmpd="sng">
-                      <a:noFill/>
-                      <a:prstDash val="solid"/>
-                    </a:lnTlToBr>
-                    <a:lnBlToTr w="12700" cmpd="sng">
-                      <a:noFill/>
-                      <a:prstDash val="solid"/>
-                    </a:lnBlToTr>
-                    <a:noFill/>
-                  </a:tcPr>
-                </a:tc>
-              </a:tr>
-            </a:tbl>
-          </a:graphicData>
-        </a:graphic>
-      </p:graphicFrame>
+      <p:sp>
+        <p:nvSpPr>
+          <p:cNvPr id="12" name="Textfeld 11"/>
+          <p:cNvSpPr txBox="1"/>
+          <p:nvPr/>
+        </p:nvSpPr>
+        <p:spPr>
+          <a:xfrm>
+            <a:off x="223114" y="5460907"/>
+            <a:ext cx="4132862" cy="830997"/>
+          </a:xfrm>
+          <a:prstGeom prst="rect">
+            <a:avLst/>
+          </a:prstGeom>
+          <a:noFill/>
+        </p:spPr>
+        <p:txBody>
+          <a:bodyPr wrap="none" rtlCol="0" anchor="ctr">
+            <a:spAutoFit/>
+          </a:bodyPr>
+          <a:lstStyle/>
+          <a:p>
+            <a:pPr algn="ctr"/>
+            <a:r>
+              <a:rPr lang="en-US" sz="2400" dirty="0" smtClean="0">
+                <a:latin typeface="Roboto" panose="02000000000000000000" pitchFamily="2" charset="0"/>
+                <a:ea typeface="Roboto" panose="02000000000000000000" pitchFamily="2" charset="0"/>
+              </a:rPr>
+              <a:t>“Angela </a:t>
+            </a:r>
+            <a:r>
+              <a:rPr lang="en-US" sz="2400" dirty="0" smtClean="0">
+                <a:latin typeface="Roboto" panose="02000000000000000000" pitchFamily="2" charset="0"/>
+                <a:ea typeface="Roboto" panose="02000000000000000000" pitchFamily="2" charset="0"/>
+              </a:rPr>
+              <a:t>Merkel is Germany’s</a:t>
+            </a:r>
+          </a:p>
+          <a:p>
+            <a:pPr algn="ctr"/>
+            <a:r>
+              <a:rPr lang="en-US" sz="2400" dirty="0" smtClean="0">
+                <a:latin typeface="Roboto" panose="02000000000000000000" pitchFamily="2" charset="0"/>
+                <a:ea typeface="Roboto" panose="02000000000000000000" pitchFamily="2" charset="0"/>
+              </a:rPr>
+              <a:t>head of government.”</a:t>
+            </a:r>
+            <a:endParaRPr lang="de-DE" sz="2400" dirty="0">
+              <a:latin typeface="Roboto" panose="02000000000000000000" pitchFamily="2" charset="0"/>
+              <a:ea typeface="Roboto" panose="02000000000000000000" pitchFamily="2" charset="0"/>
+            </a:endParaRPr>
+          </a:p>
+        </p:txBody>
+      </p:sp>
     </p:spTree>
     <p:extLst>
       <p:ext uri="{BB962C8B-B14F-4D97-AF65-F5344CB8AC3E}">
@@ -9381,6 +6660,9 @@
                     <p:cTn id="3" fill="hold">
                       <p:stCondLst>
                         <p:cond delay="indefinite"/>
+                        <p:cond evt="onBegin" delay="0">
+                          <p:tn val="2"/>
+                        </p:cond>
                       </p:stCondLst>
                       <p:childTnLst>
                         <p:par>
@@ -9390,7 +6672,7 @@
                             </p:stCondLst>
                             <p:childTnLst>
                               <p:par>
-                                <p:cTn id="5" presetID="1" presetClass="entr" presetSubtype="0" fill="hold" grpId="0" nodeType="clickEffect">
+                                <p:cTn id="5" presetID="1" presetClass="entr" presetSubtype="0" fill="hold" grpId="0" nodeType="withEffect">
                                   <p:stCondLst>
                                     <p:cond delay="0"/>
                                   </p:stCondLst>
@@ -9537,7 +6819,7 @@
                                           </p:stCondLst>
                                         </p:cTn>
                                         <p:tgtEl>
-                                          <p:spTgt spid="11"/>
+                                          <p:spTgt spid="9"/>
                                         </p:tgtEl>
                                         <p:attrNameLst>
                                           <p:attrName>style.visibility</p:attrName>
@@ -9551,7 +6833,7 @@
                                 </p:cTn>
                               </p:par>
                               <p:par>
-                                <p:cTn id="17" presetID="1" presetClass="entr" presetSubtype="0" fill="hold" nodeType="withEffect">
+                                <p:cTn id="17" presetID="1" presetClass="entr" presetSubtype="0" fill="hold" grpId="0" nodeType="withEffect">
                                   <p:stCondLst>
                                     <p:cond delay="0"/>
                                   </p:stCondLst>
@@ -9564,7 +6846,7 @@
                                           </p:stCondLst>
                                         </p:cTn>
                                         <p:tgtEl>
-                                          <p:spTgt spid="9"/>
+                                          <p:spTgt spid="10"/>
                                         </p:tgtEl>
                                         <p:attrNameLst>
                                           <p:attrName>style.visibility</p:attrName>
@@ -9591,7 +6873,7 @@
                                           </p:stCondLst>
                                         </p:cTn>
                                         <p:tgtEl>
-                                          <p:spTgt spid="10"/>
+                                          <p:spTgt spid="7"/>
                                         </p:tgtEl>
                                         <p:attrNameLst>
                                           <p:attrName>style.visibility</p:attrName>
@@ -9618,7 +6900,7 @@
                                           </p:stCondLst>
                                         </p:cTn>
                                         <p:tgtEl>
-                                          <p:spTgt spid="7"/>
+                                          <p:spTgt spid="12"/>
                                         </p:tgtEl>
                                         <p:attrNameLst>
                                           <p:attrName>style.visibility</p:attrName>
@@ -9665,6 +6947,7 @@
       <p:bldP spid="6" grpId="0"/>
       <p:bldP spid="7" grpId="0" animBg="1"/>
       <p:bldP spid="10" grpId="0"/>
+      <p:bldP spid="12" grpId="0"/>
     </p:bldLst>
   </p:timing>
 </p:sld>
